--- a/arch_design/Arch_Design .pptx
+++ b/arch_design/Arch_Design .pptx
@@ -110,7 +110,27 @@
       </a:defRPr>
     </a:lvl9pPr>
   </p:defaultTextStyle>
+  <p:extLst>
+    <p:ext uri="{EFAFB233-063F-42B5-8137-9DF3F51BA10A}">
+      <p15:sldGuideLst xmlns:p15="http://schemas.microsoft.com/office/powerpoint/2012/main">
+        <p15:guide id="1" orient="horz" pos="2160">
+          <p15:clr>
+            <a:srgbClr val="A4A3A4"/>
+          </p15:clr>
+        </p15:guide>
+        <p15:guide id="2" pos="2880">
+          <p15:clr>
+            <a:srgbClr val="A4A3A4"/>
+          </p15:clr>
+        </p15:guide>
+      </p15:sldGuideLst>
+    </p:ext>
+  </p:extLst>
 </p:presentation>
+</file>
+
+<file path=ppt/revisionInfo.xml><?xml version="1.0" encoding="utf-8"?>
+<p1510:revInfo xmlns:a="http://schemas.openxmlformats.org/drawingml/2006/main" xmlns:r="http://schemas.openxmlformats.org/officeDocument/2006/relationships" xmlns:p1510="http://schemas.microsoft.com/office/powerpoint/2015/10/main"/>
 </file>
 
 <file path=ppt/slideLayouts/slideLayout1.xml><?xml version="1.0" encoding="utf-8"?>
@@ -151,10 +171,9 @@
           <a:lstStyle/>
           <a:p>
             <a:r>
-              <a:rPr lang="zh-CN" altLang="en-US" smtClean="0"/>
+              <a:rPr lang="zh-CN" altLang="en-US"/>
               <a:t>单击此处编辑母版标题样式</a:t>
             </a:r>
-            <a:endParaRPr lang="zh-CN" altLang="en-US"/>
           </a:p>
         </p:txBody>
       </p:sp>
@@ -270,10 +289,9 @@
           </a:lstStyle>
           <a:p>
             <a:r>
-              <a:rPr lang="zh-CN" altLang="en-US" smtClean="0"/>
+              <a:rPr lang="zh-CN" altLang="en-US"/>
               <a:t>单击此处编辑母版副标题样式</a:t>
             </a:r>
-            <a:endParaRPr lang="zh-CN" altLang="en-US"/>
           </a:p>
         </p:txBody>
       </p:sp>
@@ -294,7 +312,7 @@
           <a:p>
             <a:fld id="{530820CF-B880-4189-942D-D702A7CBA730}" type="datetimeFigureOut">
               <a:rPr lang="zh-CN" altLang="en-US" smtClean="0"/>
-              <a:t>2018/1/29</a:t>
+              <a:t>2018/7/25</a:t>
             </a:fld>
             <a:endParaRPr lang="zh-CN" altLang="en-US"/>
           </a:p>
@@ -383,10 +401,9 @@
           <a:lstStyle/>
           <a:p>
             <a:r>
-              <a:rPr lang="zh-CN" altLang="en-US" smtClean="0"/>
+              <a:rPr lang="zh-CN" altLang="en-US"/>
               <a:t>单击此处编辑母版标题样式</a:t>
             </a:r>
-            <a:endParaRPr lang="zh-CN" altLang="en-US"/>
           </a:p>
         </p:txBody>
       </p:sp>
@@ -407,38 +424,37 @@
           <a:p>
             <a:pPr lvl="0"/>
             <a:r>
-              <a:rPr lang="zh-CN" altLang="en-US" smtClean="0"/>
+              <a:rPr lang="zh-CN" altLang="en-US"/>
               <a:t>单击此处编辑母版文本样式</a:t>
             </a:r>
           </a:p>
           <a:p>
             <a:pPr lvl="1"/>
             <a:r>
-              <a:rPr lang="zh-CN" altLang="en-US" smtClean="0"/>
+              <a:rPr lang="zh-CN" altLang="en-US"/>
               <a:t>第二级</a:t>
             </a:r>
           </a:p>
           <a:p>
             <a:pPr lvl="2"/>
             <a:r>
-              <a:rPr lang="zh-CN" altLang="en-US" smtClean="0"/>
+              <a:rPr lang="zh-CN" altLang="en-US"/>
               <a:t>第三级</a:t>
             </a:r>
           </a:p>
           <a:p>
             <a:pPr lvl="3"/>
             <a:r>
-              <a:rPr lang="zh-CN" altLang="en-US" smtClean="0"/>
+              <a:rPr lang="zh-CN" altLang="en-US"/>
               <a:t>第四级</a:t>
             </a:r>
           </a:p>
           <a:p>
             <a:pPr lvl="4"/>
             <a:r>
-              <a:rPr lang="zh-CN" altLang="en-US" smtClean="0"/>
+              <a:rPr lang="zh-CN" altLang="en-US"/>
               <a:t>第五级</a:t>
             </a:r>
-            <a:endParaRPr lang="zh-CN" altLang="en-US"/>
           </a:p>
         </p:txBody>
       </p:sp>
@@ -459,7 +475,7 @@
           <a:p>
             <a:fld id="{530820CF-B880-4189-942D-D702A7CBA730}" type="datetimeFigureOut">
               <a:rPr lang="zh-CN" altLang="en-US" smtClean="0"/>
-              <a:t>2018/1/29</a:t>
+              <a:t>2018/7/25</a:t>
             </a:fld>
             <a:endParaRPr lang="zh-CN" altLang="en-US"/>
           </a:p>
@@ -553,10 +569,9 @@
           <a:lstStyle/>
           <a:p>
             <a:r>
-              <a:rPr lang="zh-CN" altLang="en-US" smtClean="0"/>
+              <a:rPr lang="zh-CN" altLang="en-US"/>
               <a:t>单击此处编辑母版标题样式</a:t>
             </a:r>
-            <a:endParaRPr lang="zh-CN" altLang="en-US"/>
           </a:p>
         </p:txBody>
       </p:sp>
@@ -582,38 +597,37 @@
           <a:p>
             <a:pPr lvl="0"/>
             <a:r>
-              <a:rPr lang="zh-CN" altLang="en-US" smtClean="0"/>
+              <a:rPr lang="zh-CN" altLang="en-US"/>
               <a:t>单击此处编辑母版文本样式</a:t>
             </a:r>
           </a:p>
           <a:p>
             <a:pPr lvl="1"/>
             <a:r>
-              <a:rPr lang="zh-CN" altLang="en-US" smtClean="0"/>
+              <a:rPr lang="zh-CN" altLang="en-US"/>
               <a:t>第二级</a:t>
             </a:r>
           </a:p>
           <a:p>
             <a:pPr lvl="2"/>
             <a:r>
-              <a:rPr lang="zh-CN" altLang="en-US" smtClean="0"/>
+              <a:rPr lang="zh-CN" altLang="en-US"/>
               <a:t>第三级</a:t>
             </a:r>
           </a:p>
           <a:p>
             <a:pPr lvl="3"/>
             <a:r>
-              <a:rPr lang="zh-CN" altLang="en-US" smtClean="0"/>
+              <a:rPr lang="zh-CN" altLang="en-US"/>
               <a:t>第四级</a:t>
             </a:r>
           </a:p>
           <a:p>
             <a:pPr lvl="4"/>
             <a:r>
-              <a:rPr lang="zh-CN" altLang="en-US" smtClean="0"/>
+              <a:rPr lang="zh-CN" altLang="en-US"/>
               <a:t>第五级</a:t>
             </a:r>
-            <a:endParaRPr lang="zh-CN" altLang="en-US"/>
           </a:p>
         </p:txBody>
       </p:sp>
@@ -634,7 +648,7 @@
           <a:p>
             <a:fld id="{530820CF-B880-4189-942D-D702A7CBA730}" type="datetimeFigureOut">
               <a:rPr lang="zh-CN" altLang="en-US" smtClean="0"/>
-              <a:t>2018/1/29</a:t>
+              <a:t>2018/7/25</a:t>
             </a:fld>
             <a:endParaRPr lang="zh-CN" altLang="en-US"/>
           </a:p>
@@ -723,10 +737,9 @@
           <a:lstStyle/>
           <a:p>
             <a:r>
-              <a:rPr lang="zh-CN" altLang="en-US" smtClean="0"/>
+              <a:rPr lang="zh-CN" altLang="en-US"/>
               <a:t>单击此处编辑母版标题样式</a:t>
             </a:r>
-            <a:endParaRPr lang="zh-CN" altLang="en-US"/>
           </a:p>
         </p:txBody>
       </p:sp>
@@ -747,38 +760,37 @@
           <a:p>
             <a:pPr lvl="0"/>
             <a:r>
-              <a:rPr lang="zh-CN" altLang="en-US" smtClean="0"/>
+              <a:rPr lang="zh-CN" altLang="en-US"/>
               <a:t>单击此处编辑母版文本样式</a:t>
             </a:r>
           </a:p>
           <a:p>
             <a:pPr lvl="1"/>
             <a:r>
-              <a:rPr lang="zh-CN" altLang="en-US" smtClean="0"/>
+              <a:rPr lang="zh-CN" altLang="en-US"/>
               <a:t>第二级</a:t>
             </a:r>
           </a:p>
           <a:p>
             <a:pPr lvl="2"/>
             <a:r>
-              <a:rPr lang="zh-CN" altLang="en-US" smtClean="0"/>
+              <a:rPr lang="zh-CN" altLang="en-US"/>
               <a:t>第三级</a:t>
             </a:r>
           </a:p>
           <a:p>
             <a:pPr lvl="3"/>
             <a:r>
-              <a:rPr lang="zh-CN" altLang="en-US" smtClean="0"/>
+              <a:rPr lang="zh-CN" altLang="en-US"/>
               <a:t>第四级</a:t>
             </a:r>
           </a:p>
           <a:p>
             <a:pPr lvl="4"/>
             <a:r>
-              <a:rPr lang="zh-CN" altLang="en-US" smtClean="0"/>
+              <a:rPr lang="zh-CN" altLang="en-US"/>
               <a:t>第五级</a:t>
             </a:r>
-            <a:endParaRPr lang="zh-CN" altLang="en-US"/>
           </a:p>
         </p:txBody>
       </p:sp>
@@ -799,7 +811,7 @@
           <a:p>
             <a:fld id="{530820CF-B880-4189-942D-D702A7CBA730}" type="datetimeFigureOut">
               <a:rPr lang="zh-CN" altLang="en-US" smtClean="0"/>
-              <a:t>2018/1/29</a:t>
+              <a:t>2018/7/25</a:t>
             </a:fld>
             <a:endParaRPr lang="zh-CN" altLang="en-US"/>
           </a:p>
@@ -897,10 +909,9 @@
           </a:lstStyle>
           <a:p>
             <a:r>
-              <a:rPr lang="zh-CN" altLang="en-US" smtClean="0"/>
+              <a:rPr lang="zh-CN" altLang="en-US"/>
               <a:t>单击此处编辑母版标题样式</a:t>
             </a:r>
-            <a:endParaRPr lang="zh-CN" altLang="en-US"/>
           </a:p>
         </p:txBody>
       </p:sp>
@@ -1017,7 +1028,7 @@
           <a:p>
             <a:pPr lvl="0"/>
             <a:r>
-              <a:rPr lang="zh-CN" altLang="en-US" smtClean="0"/>
+              <a:rPr lang="zh-CN" altLang="en-US"/>
               <a:t>单击此处编辑母版文本样式</a:t>
             </a:r>
           </a:p>
@@ -1040,7 +1051,7 @@
           <a:p>
             <a:fld id="{530820CF-B880-4189-942D-D702A7CBA730}" type="datetimeFigureOut">
               <a:rPr lang="zh-CN" altLang="en-US" smtClean="0"/>
-              <a:t>2018/1/29</a:t>
+              <a:t>2018/7/25</a:t>
             </a:fld>
             <a:endParaRPr lang="zh-CN" altLang="en-US"/>
           </a:p>
@@ -1129,10 +1140,9 @@
           <a:lstStyle/>
           <a:p>
             <a:r>
-              <a:rPr lang="zh-CN" altLang="en-US" smtClean="0"/>
+              <a:rPr lang="zh-CN" altLang="en-US"/>
               <a:t>单击此处编辑母版标题样式</a:t>
             </a:r>
-            <a:endParaRPr lang="zh-CN" altLang="en-US"/>
           </a:p>
         </p:txBody>
       </p:sp>
@@ -1186,38 +1196,37 @@
           <a:p>
             <a:pPr lvl="0"/>
             <a:r>
-              <a:rPr lang="zh-CN" altLang="en-US" smtClean="0"/>
+              <a:rPr lang="zh-CN" altLang="en-US"/>
               <a:t>单击此处编辑母版文本样式</a:t>
             </a:r>
           </a:p>
           <a:p>
             <a:pPr lvl="1"/>
             <a:r>
-              <a:rPr lang="zh-CN" altLang="en-US" smtClean="0"/>
+              <a:rPr lang="zh-CN" altLang="en-US"/>
               <a:t>第二级</a:t>
             </a:r>
           </a:p>
           <a:p>
             <a:pPr lvl="2"/>
             <a:r>
-              <a:rPr lang="zh-CN" altLang="en-US" smtClean="0"/>
+              <a:rPr lang="zh-CN" altLang="en-US"/>
               <a:t>第三级</a:t>
             </a:r>
           </a:p>
           <a:p>
             <a:pPr lvl="3"/>
             <a:r>
-              <a:rPr lang="zh-CN" altLang="en-US" smtClean="0"/>
+              <a:rPr lang="zh-CN" altLang="en-US"/>
               <a:t>第四级</a:t>
             </a:r>
           </a:p>
           <a:p>
             <a:pPr lvl="4"/>
             <a:r>
-              <a:rPr lang="zh-CN" altLang="en-US" smtClean="0"/>
+              <a:rPr lang="zh-CN" altLang="en-US"/>
               <a:t>第五级</a:t>
             </a:r>
-            <a:endParaRPr lang="zh-CN" altLang="en-US"/>
           </a:p>
         </p:txBody>
       </p:sp>
@@ -1271,38 +1280,37 @@
           <a:p>
             <a:pPr lvl="0"/>
             <a:r>
-              <a:rPr lang="zh-CN" altLang="en-US" smtClean="0"/>
+              <a:rPr lang="zh-CN" altLang="en-US"/>
               <a:t>单击此处编辑母版文本样式</a:t>
             </a:r>
           </a:p>
           <a:p>
             <a:pPr lvl="1"/>
             <a:r>
-              <a:rPr lang="zh-CN" altLang="en-US" smtClean="0"/>
+              <a:rPr lang="zh-CN" altLang="en-US"/>
               <a:t>第二级</a:t>
             </a:r>
           </a:p>
           <a:p>
             <a:pPr lvl="2"/>
             <a:r>
-              <a:rPr lang="zh-CN" altLang="en-US" smtClean="0"/>
+              <a:rPr lang="zh-CN" altLang="en-US"/>
               <a:t>第三级</a:t>
             </a:r>
           </a:p>
           <a:p>
             <a:pPr lvl="3"/>
             <a:r>
-              <a:rPr lang="zh-CN" altLang="en-US" smtClean="0"/>
+              <a:rPr lang="zh-CN" altLang="en-US"/>
               <a:t>第四级</a:t>
             </a:r>
           </a:p>
           <a:p>
             <a:pPr lvl="4"/>
             <a:r>
-              <a:rPr lang="zh-CN" altLang="en-US" smtClean="0"/>
+              <a:rPr lang="zh-CN" altLang="en-US"/>
               <a:t>第五级</a:t>
             </a:r>
-            <a:endParaRPr lang="zh-CN" altLang="en-US"/>
           </a:p>
         </p:txBody>
       </p:sp>
@@ -1323,7 +1331,7 @@
           <a:p>
             <a:fld id="{530820CF-B880-4189-942D-D702A7CBA730}" type="datetimeFigureOut">
               <a:rPr lang="zh-CN" altLang="en-US" smtClean="0"/>
-              <a:t>2018/1/29</a:t>
+              <a:t>2018/7/25</a:t>
             </a:fld>
             <a:endParaRPr lang="zh-CN" altLang="en-US"/>
           </a:p>
@@ -1416,10 +1424,9 @@
           </a:lstStyle>
           <a:p>
             <a:r>
-              <a:rPr lang="zh-CN" altLang="en-US" smtClean="0"/>
+              <a:rPr lang="zh-CN" altLang="en-US"/>
               <a:t>单击此处编辑母版标题样式</a:t>
             </a:r>
-            <a:endParaRPr lang="zh-CN" altLang="en-US"/>
           </a:p>
         </p:txBody>
       </p:sp>
@@ -1482,7 +1489,7 @@
           <a:p>
             <a:pPr lvl="0"/>
             <a:r>
-              <a:rPr lang="zh-CN" altLang="en-US" smtClean="0"/>
+              <a:rPr lang="zh-CN" altLang="en-US"/>
               <a:t>单击此处编辑母版文本样式</a:t>
             </a:r>
           </a:p>
@@ -1538,38 +1545,37 @@
           <a:p>
             <a:pPr lvl="0"/>
             <a:r>
-              <a:rPr lang="zh-CN" altLang="en-US" smtClean="0"/>
+              <a:rPr lang="zh-CN" altLang="en-US"/>
               <a:t>单击此处编辑母版文本样式</a:t>
             </a:r>
           </a:p>
           <a:p>
             <a:pPr lvl="1"/>
             <a:r>
-              <a:rPr lang="zh-CN" altLang="en-US" smtClean="0"/>
+              <a:rPr lang="zh-CN" altLang="en-US"/>
               <a:t>第二级</a:t>
             </a:r>
           </a:p>
           <a:p>
             <a:pPr lvl="2"/>
             <a:r>
-              <a:rPr lang="zh-CN" altLang="en-US" smtClean="0"/>
+              <a:rPr lang="zh-CN" altLang="en-US"/>
               <a:t>第三级</a:t>
             </a:r>
           </a:p>
           <a:p>
             <a:pPr lvl="3"/>
             <a:r>
-              <a:rPr lang="zh-CN" altLang="en-US" smtClean="0"/>
+              <a:rPr lang="zh-CN" altLang="en-US"/>
               <a:t>第四级</a:t>
             </a:r>
           </a:p>
           <a:p>
             <a:pPr lvl="4"/>
             <a:r>
-              <a:rPr lang="zh-CN" altLang="en-US" smtClean="0"/>
+              <a:rPr lang="zh-CN" altLang="en-US"/>
               <a:t>第五级</a:t>
             </a:r>
-            <a:endParaRPr lang="zh-CN" altLang="en-US"/>
           </a:p>
         </p:txBody>
       </p:sp>
@@ -1632,7 +1638,7 @@
           <a:p>
             <a:pPr lvl="0"/>
             <a:r>
-              <a:rPr lang="zh-CN" altLang="en-US" smtClean="0"/>
+              <a:rPr lang="zh-CN" altLang="en-US"/>
               <a:t>单击此处编辑母版文本样式</a:t>
             </a:r>
           </a:p>
@@ -1688,38 +1694,37 @@
           <a:p>
             <a:pPr lvl="0"/>
             <a:r>
-              <a:rPr lang="zh-CN" altLang="en-US" smtClean="0"/>
+              <a:rPr lang="zh-CN" altLang="en-US"/>
               <a:t>单击此处编辑母版文本样式</a:t>
             </a:r>
           </a:p>
           <a:p>
             <a:pPr lvl="1"/>
             <a:r>
-              <a:rPr lang="zh-CN" altLang="en-US" smtClean="0"/>
+              <a:rPr lang="zh-CN" altLang="en-US"/>
               <a:t>第二级</a:t>
             </a:r>
           </a:p>
           <a:p>
             <a:pPr lvl="2"/>
             <a:r>
-              <a:rPr lang="zh-CN" altLang="en-US" smtClean="0"/>
+              <a:rPr lang="zh-CN" altLang="en-US"/>
               <a:t>第三级</a:t>
             </a:r>
           </a:p>
           <a:p>
             <a:pPr lvl="3"/>
             <a:r>
-              <a:rPr lang="zh-CN" altLang="en-US" smtClean="0"/>
+              <a:rPr lang="zh-CN" altLang="en-US"/>
               <a:t>第四级</a:t>
             </a:r>
           </a:p>
           <a:p>
             <a:pPr lvl="4"/>
             <a:r>
-              <a:rPr lang="zh-CN" altLang="en-US" smtClean="0"/>
+              <a:rPr lang="zh-CN" altLang="en-US"/>
               <a:t>第五级</a:t>
             </a:r>
-            <a:endParaRPr lang="zh-CN" altLang="en-US"/>
           </a:p>
         </p:txBody>
       </p:sp>
@@ -1740,7 +1745,7 @@
           <a:p>
             <a:fld id="{530820CF-B880-4189-942D-D702A7CBA730}" type="datetimeFigureOut">
               <a:rPr lang="zh-CN" altLang="en-US" smtClean="0"/>
-              <a:t>2018/1/29</a:t>
+              <a:t>2018/7/25</a:t>
             </a:fld>
             <a:endParaRPr lang="zh-CN" altLang="en-US"/>
           </a:p>
@@ -1829,10 +1834,9 @@
           <a:lstStyle/>
           <a:p>
             <a:r>
-              <a:rPr lang="zh-CN" altLang="en-US" smtClean="0"/>
+              <a:rPr lang="zh-CN" altLang="en-US"/>
               <a:t>单击此处编辑母版标题样式</a:t>
             </a:r>
-            <a:endParaRPr lang="zh-CN" altLang="en-US"/>
           </a:p>
         </p:txBody>
       </p:sp>
@@ -1853,7 +1857,7 @@
           <a:p>
             <a:fld id="{530820CF-B880-4189-942D-D702A7CBA730}" type="datetimeFigureOut">
               <a:rPr lang="zh-CN" altLang="en-US" smtClean="0"/>
-              <a:t>2018/1/29</a:t>
+              <a:t>2018/7/25</a:t>
             </a:fld>
             <a:endParaRPr lang="zh-CN" altLang="en-US"/>
           </a:p>
@@ -1943,7 +1947,7 @@
           <a:p>
             <a:fld id="{530820CF-B880-4189-942D-D702A7CBA730}" type="datetimeFigureOut">
               <a:rPr lang="zh-CN" altLang="en-US" smtClean="0"/>
-              <a:t>2018/1/29</a:t>
+              <a:t>2018/7/25</a:t>
             </a:fld>
             <a:endParaRPr lang="zh-CN" altLang="en-US"/>
           </a:p>
@@ -2041,10 +2045,9 @@
           </a:lstStyle>
           <a:p>
             <a:r>
-              <a:rPr lang="zh-CN" altLang="en-US" smtClean="0"/>
+              <a:rPr lang="zh-CN" altLang="en-US"/>
               <a:t>单击此处编辑母版标题样式</a:t>
             </a:r>
-            <a:endParaRPr lang="zh-CN" altLang="en-US"/>
           </a:p>
         </p:txBody>
       </p:sp>
@@ -2098,38 +2101,37 @@
           <a:p>
             <a:pPr lvl="0"/>
             <a:r>
-              <a:rPr lang="zh-CN" altLang="en-US" smtClean="0"/>
+              <a:rPr lang="zh-CN" altLang="en-US"/>
               <a:t>单击此处编辑母版文本样式</a:t>
             </a:r>
           </a:p>
           <a:p>
             <a:pPr lvl="1"/>
             <a:r>
-              <a:rPr lang="zh-CN" altLang="en-US" smtClean="0"/>
+              <a:rPr lang="zh-CN" altLang="en-US"/>
               <a:t>第二级</a:t>
             </a:r>
           </a:p>
           <a:p>
             <a:pPr lvl="2"/>
             <a:r>
-              <a:rPr lang="zh-CN" altLang="en-US" smtClean="0"/>
+              <a:rPr lang="zh-CN" altLang="en-US"/>
               <a:t>第三级</a:t>
             </a:r>
           </a:p>
           <a:p>
             <a:pPr lvl="3"/>
             <a:r>
-              <a:rPr lang="zh-CN" altLang="en-US" smtClean="0"/>
+              <a:rPr lang="zh-CN" altLang="en-US"/>
               <a:t>第四级</a:t>
             </a:r>
           </a:p>
           <a:p>
             <a:pPr lvl="4"/>
             <a:r>
-              <a:rPr lang="zh-CN" altLang="en-US" smtClean="0"/>
+              <a:rPr lang="zh-CN" altLang="en-US"/>
               <a:t>第五级</a:t>
             </a:r>
-            <a:endParaRPr lang="zh-CN" altLang="en-US"/>
           </a:p>
         </p:txBody>
       </p:sp>
@@ -2192,7 +2194,7 @@
           <a:p>
             <a:pPr lvl="0"/>
             <a:r>
-              <a:rPr lang="zh-CN" altLang="en-US" smtClean="0"/>
+              <a:rPr lang="zh-CN" altLang="en-US"/>
               <a:t>单击此处编辑母版文本样式</a:t>
             </a:r>
           </a:p>
@@ -2215,7 +2217,7 @@
           <a:p>
             <a:fld id="{530820CF-B880-4189-942D-D702A7CBA730}" type="datetimeFigureOut">
               <a:rPr lang="zh-CN" altLang="en-US" smtClean="0"/>
-              <a:t>2018/1/29</a:t>
+              <a:t>2018/7/25</a:t>
             </a:fld>
             <a:endParaRPr lang="zh-CN" altLang="en-US"/>
           </a:p>
@@ -2313,10 +2315,9 @@
           </a:lstStyle>
           <a:p>
             <a:r>
-              <a:rPr lang="zh-CN" altLang="en-US" smtClean="0"/>
+              <a:rPr lang="zh-CN" altLang="en-US"/>
               <a:t>单击此处编辑母版标题样式</a:t>
             </a:r>
-            <a:endParaRPr lang="zh-CN" altLang="en-US"/>
           </a:p>
         </p:txBody>
       </p:sp>
@@ -2440,7 +2441,7 @@
           <a:p>
             <a:pPr lvl="0"/>
             <a:r>
-              <a:rPr lang="zh-CN" altLang="en-US" smtClean="0"/>
+              <a:rPr lang="zh-CN" altLang="en-US"/>
               <a:t>单击此处编辑母版文本样式</a:t>
             </a:r>
           </a:p>
@@ -2463,7 +2464,7 @@
           <a:p>
             <a:fld id="{530820CF-B880-4189-942D-D702A7CBA730}" type="datetimeFigureOut">
               <a:rPr lang="zh-CN" altLang="en-US" smtClean="0"/>
-              <a:t>2018/1/29</a:t>
+              <a:t>2018/7/25</a:t>
             </a:fld>
             <a:endParaRPr lang="zh-CN" altLang="en-US"/>
           </a:p>
@@ -2567,10 +2568,9 @@
           <a:lstStyle/>
           <a:p>
             <a:r>
-              <a:rPr lang="zh-CN" altLang="en-US" smtClean="0"/>
+              <a:rPr lang="zh-CN" altLang="en-US"/>
               <a:t>单击此处编辑母版标题样式</a:t>
             </a:r>
-            <a:endParaRPr lang="zh-CN" altLang="en-US"/>
           </a:p>
         </p:txBody>
       </p:sp>
@@ -2601,38 +2601,37 @@
           <a:p>
             <a:pPr lvl="0"/>
             <a:r>
-              <a:rPr lang="zh-CN" altLang="en-US" smtClean="0"/>
+              <a:rPr lang="zh-CN" altLang="en-US"/>
               <a:t>单击此处编辑母版文本样式</a:t>
             </a:r>
           </a:p>
           <a:p>
             <a:pPr lvl="1"/>
             <a:r>
-              <a:rPr lang="zh-CN" altLang="en-US" smtClean="0"/>
+              <a:rPr lang="zh-CN" altLang="en-US"/>
               <a:t>第二级</a:t>
             </a:r>
           </a:p>
           <a:p>
             <a:pPr lvl="2"/>
             <a:r>
-              <a:rPr lang="zh-CN" altLang="en-US" smtClean="0"/>
+              <a:rPr lang="zh-CN" altLang="en-US"/>
               <a:t>第三级</a:t>
             </a:r>
           </a:p>
           <a:p>
             <a:pPr lvl="3"/>
             <a:r>
-              <a:rPr lang="zh-CN" altLang="en-US" smtClean="0"/>
+              <a:rPr lang="zh-CN" altLang="en-US"/>
               <a:t>第四级</a:t>
             </a:r>
           </a:p>
           <a:p>
             <a:pPr lvl="4"/>
             <a:r>
-              <a:rPr lang="zh-CN" altLang="en-US" smtClean="0"/>
+              <a:rPr lang="zh-CN" altLang="en-US"/>
               <a:t>第五级</a:t>
             </a:r>
-            <a:endParaRPr lang="zh-CN" altLang="en-US"/>
           </a:p>
         </p:txBody>
       </p:sp>
@@ -2671,7 +2670,7 @@
           <a:p>
             <a:fld id="{530820CF-B880-4189-942D-D702A7CBA730}" type="datetimeFigureOut">
               <a:rPr lang="zh-CN" altLang="en-US" smtClean="0"/>
-              <a:t>2018/1/29</a:t>
+              <a:t>2018/7/25</a:t>
             </a:fld>
             <a:endParaRPr lang="zh-CN" altLang="en-US"/>
           </a:p>
@@ -3064,10 +3063,9 @@
           <a:lstStyle/>
           <a:p>
             <a:r>
-              <a:rPr lang="zh-CN" altLang="en-US" dirty="0" smtClean="0"/>
+              <a:rPr lang="zh-CN" altLang="en-US" dirty="0"/>
               <a:t>系统架构设计模式</a:t>
             </a:r>
-            <a:endParaRPr lang="zh-CN" altLang="en-US" dirty="0"/>
           </a:p>
         </p:txBody>
       </p:sp>
@@ -3080,7 +3078,7 @@
         <p:spPr>
           <a:xfrm>
             <a:off x="539552" y="1196752"/>
-            <a:ext cx="8208912" cy="4524315"/>
+            <a:ext cx="8208912" cy="5078313"/>
           </a:xfrm>
           <a:prstGeom prst="rect">
             <a:avLst/>
@@ -3094,135 +3092,171 @@
           <a:lstStyle/>
           <a:p>
             <a:r>
-              <a:rPr lang="en-US" altLang="zh-CN" dirty="0" smtClean="0"/>
+              <a:rPr lang="en-US" altLang="zh-CN" dirty="0"/>
               <a:t>1.DDD</a:t>
             </a:r>
           </a:p>
           <a:p>
             <a:r>
-              <a:rPr lang="zh-CN" altLang="en-US" dirty="0" smtClean="0"/>
+              <a:rPr lang="zh-CN" altLang="en-US" dirty="0"/>
               <a:t>各种边界上下文，最终就是聚合。过度关注名词</a:t>
             </a:r>
             <a:r>
-              <a:rPr lang="en-US" altLang="zh-CN" dirty="0" smtClean="0"/>
+              <a:rPr lang="en-US" altLang="zh-CN" dirty="0"/>
               <a:t>--</a:t>
             </a:r>
             <a:r>
-              <a:rPr lang="zh-CN" altLang="en-US" dirty="0" smtClean="0"/>
+              <a:rPr lang="zh-CN" altLang="en-US" dirty="0"/>
               <a:t>领域对象，相反，我们应该更多关注动词，即事件。</a:t>
             </a:r>
             <a:r>
-              <a:rPr lang="en-US" altLang="zh-CN" dirty="0" smtClean="0"/>
+              <a:rPr lang="en-US" altLang="zh-CN" dirty="0"/>
               <a:t>DDD</a:t>
             </a:r>
             <a:r>
-              <a:rPr lang="zh-CN" altLang="en-US" dirty="0" smtClean="0"/>
+              <a:rPr lang="zh-CN" altLang="en-US" dirty="0"/>
               <a:t>寻找聚合就是寻找各种事件</a:t>
             </a:r>
             <a:r>
-              <a:rPr lang="en-US" altLang="zh-CN" dirty="0" smtClean="0"/>
+              <a:rPr lang="en-US" altLang="zh-CN" dirty="0"/>
               <a:t>+</a:t>
             </a:r>
             <a:r>
-              <a:rPr lang="zh-CN" altLang="en-US" dirty="0" smtClean="0"/>
+              <a:rPr lang="zh-CN" altLang="en-US" dirty="0"/>
               <a:t>状态构成的因果链。</a:t>
             </a:r>
-            <a:endParaRPr lang="en-US" altLang="zh-CN" dirty="0" smtClean="0"/>
-          </a:p>
-          <a:p>
-            <a:r>
-              <a:rPr lang="en-US" altLang="zh-CN" dirty="0" smtClean="0"/>
+            <a:endParaRPr lang="en-US" altLang="zh-CN" dirty="0"/>
+          </a:p>
+          <a:p>
+            <a:r>
+              <a:rPr lang="en-US" altLang="zh-CN" dirty="0"/>
               <a:t>2.</a:t>
             </a:r>
             <a:r>
-              <a:rPr lang="zh-CN" altLang="en-US" dirty="0" smtClean="0"/>
-              <a:t>响应式设计</a:t>
-            </a:r>
-            <a:endParaRPr lang="en-US" altLang="zh-CN" dirty="0" smtClean="0"/>
-          </a:p>
-          <a:p>
-            <a:r>
-              <a:rPr lang="zh-CN" altLang="en-US" dirty="0" smtClean="0"/>
-              <a:t>两个阶段：响应式编程和分布式的响应式系统，提高对资源的时间和空间调度能力。将无状态行为从有状态的实体中分离出来，解耦</a:t>
-            </a:r>
-            <a:r>
-              <a:rPr lang="zh-CN" altLang="en-US" dirty="0"/>
-              <a:t>行为和</a:t>
-            </a:r>
-            <a:r>
-              <a:rPr lang="zh-CN" altLang="en-US" dirty="0" smtClean="0"/>
-              <a:t>结构（将数据模块和计算模块分离）。</a:t>
-            </a:r>
-            <a:endParaRPr lang="en-US" altLang="zh-CN" dirty="0" smtClean="0"/>
-          </a:p>
-          <a:p>
-            <a:r>
-              <a:rPr lang="zh-CN" altLang="en-US" dirty="0"/>
-              <a:t>响应</a:t>
-            </a:r>
-            <a:r>
-              <a:rPr lang="zh-CN" altLang="en-US" dirty="0" smtClean="0"/>
-              <a:t>式编程：基于事件的异步响应模式，提高单机多线程资源调度能力。</a:t>
-            </a:r>
-            <a:endParaRPr lang="en-US" altLang="zh-CN" dirty="0" smtClean="0"/>
-          </a:p>
-          <a:p>
-            <a:r>
-              <a:rPr lang="zh-CN" altLang="en-US" dirty="0"/>
-              <a:t>响应</a:t>
-            </a:r>
-            <a:r>
-              <a:rPr lang="zh-CN" altLang="en-US" dirty="0" smtClean="0"/>
-              <a:t>式系统：基于异步消息传递，提高机器间资源调度能力。</a:t>
-            </a:r>
-            <a:endParaRPr lang="en-US" altLang="zh-CN" dirty="0" smtClean="0"/>
-          </a:p>
-          <a:p>
-            <a:r>
-              <a:rPr lang="en-US" altLang="zh-CN" dirty="0" smtClean="0"/>
+              <a:rPr lang="zh-CN" altLang="en-US" dirty="0"/>
+              <a:t>响应式设计（</a:t>
+            </a:r>
+            <a:r>
+              <a:rPr lang="en-US" altLang="zh-CN" dirty="0"/>
+              <a:t>Reactor</a:t>
+            </a:r>
+            <a:r>
+              <a:rPr lang="zh-CN" altLang="en-US" dirty="0"/>
+              <a:t>）</a:t>
+            </a:r>
+            <a:endParaRPr lang="en-US" altLang="zh-CN" dirty="0"/>
+          </a:p>
+          <a:p>
+            <a:r>
+              <a:rPr lang="zh-CN" altLang="en-US" dirty="0"/>
+              <a:t>两个阶段：响应式编程和分布式的响应式系统，提高对资源的时间和空间调度能力。将无状态行为从有状态的实体中分离出来，解耦行为和结构（将数据模块和计算模块分离）。</a:t>
+            </a:r>
+            <a:endParaRPr lang="en-US" altLang="zh-CN" dirty="0"/>
+          </a:p>
+          <a:p>
+            <a:r>
+              <a:rPr lang="zh-CN" altLang="en-US" dirty="0"/>
+              <a:t>响应式编程</a:t>
+            </a:r>
+            <a:r>
+              <a:rPr lang="zh-CN" altLang="en-US" dirty="0">
+                <a:sym typeface="Wingdings" panose="05000000000000000000" pitchFamily="2" charset="2"/>
+              </a:rPr>
+              <a:t>：</a:t>
+            </a:r>
+            <a:r>
+              <a:rPr lang="zh-CN" altLang="en-US" dirty="0"/>
+              <a:t>基于事件的异步响应模式，提高单机多线程资源调度能力。</a:t>
+            </a:r>
+            <a:r>
+              <a:rPr lang="zh-CN" altLang="en-US" dirty="0">
+                <a:sym typeface="Wingdings" panose="05000000000000000000" pitchFamily="2" charset="2"/>
+              </a:rPr>
+              <a:t> （</a:t>
+            </a:r>
+            <a:r>
+              <a:rPr lang="en-US" altLang="zh-CN" dirty="0" err="1">
+                <a:sym typeface="Wingdings" panose="05000000000000000000" pitchFamily="2" charset="2"/>
+              </a:rPr>
+              <a:t>epoll</a:t>
+            </a:r>
+            <a:r>
+              <a:rPr lang="zh-CN" altLang="en-US" dirty="0">
+                <a:sym typeface="Wingdings" panose="05000000000000000000" pitchFamily="2" charset="2"/>
+              </a:rPr>
+              <a:t>等，思路是前端分发，后端处理。</a:t>
+            </a:r>
+            <a:r>
+              <a:rPr lang="zh-CN" altLang="en-US" dirty="0"/>
+              <a:t>）</a:t>
+            </a:r>
+            <a:endParaRPr lang="en-US" altLang="zh-CN" dirty="0"/>
+          </a:p>
+          <a:p>
+            <a:r>
+              <a:rPr lang="zh-CN" altLang="en-US" dirty="0"/>
+              <a:t>响应式系统：基于异步消息传递，提高机器间资源调度能力。（</a:t>
+            </a:r>
+            <a:r>
+              <a:rPr lang="en-US" altLang="zh-CN" dirty="0"/>
+              <a:t>MQ</a:t>
+            </a:r>
+            <a:r>
+              <a:rPr lang="zh-CN" altLang="en-US" dirty="0"/>
+              <a:t>等，实现类似</a:t>
+            </a:r>
+            <a:r>
+              <a:rPr lang="en-US" altLang="zh-CN" dirty="0" err="1"/>
+              <a:t>epoll</a:t>
+            </a:r>
+            <a:r>
+              <a:rPr lang="zh-CN" altLang="en-US" dirty="0"/>
+              <a:t>的分发机制，后端机器订阅并处理不同的事件）</a:t>
+            </a:r>
+            <a:endParaRPr lang="en-US" altLang="zh-CN" dirty="0"/>
+          </a:p>
+          <a:p>
+            <a:r>
+              <a:rPr lang="en-US" altLang="zh-CN" dirty="0"/>
               <a:t>3.</a:t>
             </a:r>
             <a:r>
-              <a:rPr lang="zh-CN" altLang="en-US" dirty="0" smtClean="0"/>
+              <a:rPr lang="zh-CN" altLang="en-US" dirty="0"/>
               <a:t>基于事件的持久化</a:t>
             </a:r>
-            <a:endParaRPr lang="en-US" altLang="zh-CN" dirty="0" smtClean="0"/>
-          </a:p>
-          <a:p>
-            <a:r>
-              <a:rPr lang="zh-CN" altLang="en-US" dirty="0" smtClean="0"/>
+            <a:endParaRPr lang="en-US" altLang="zh-CN" dirty="0"/>
+          </a:p>
+          <a:p>
+            <a:r>
+              <a:rPr lang="zh-CN" altLang="en-US" dirty="0"/>
               <a:t>日志应该基于数据</a:t>
             </a:r>
             <a:r>
-              <a:rPr lang="en-US" altLang="zh-CN" dirty="0" smtClean="0"/>
+              <a:rPr lang="en-US" altLang="zh-CN" dirty="0"/>
               <a:t>+</a:t>
             </a:r>
             <a:r>
               <a:rPr lang="zh-CN" altLang="en-US" dirty="0"/>
-              <a:t>命令</a:t>
-            </a:r>
-            <a:r>
-              <a:rPr lang="zh-CN" altLang="en-US" dirty="0" smtClean="0"/>
-              <a:t>（事件），数据库是日志的缓存子集。</a:t>
-            </a:r>
-            <a:endParaRPr lang="en-US" altLang="zh-CN" dirty="0" smtClean="0"/>
-          </a:p>
-          <a:p>
-            <a:endParaRPr lang="en-US" altLang="zh-CN" dirty="0" smtClean="0"/>
-          </a:p>
-          <a:p>
-            <a:r>
-              <a:rPr lang="zh-CN" altLang="en-US" dirty="0" smtClean="0"/>
+              <a:t>命令（事件），数据库是日志的缓存子集。</a:t>
+            </a:r>
+            <a:endParaRPr lang="en-US" altLang="zh-CN" dirty="0"/>
+          </a:p>
+          <a:p>
+            <a:endParaRPr lang="en-US" altLang="zh-CN" dirty="0"/>
+          </a:p>
+          <a:p>
+            <a:r>
+              <a:rPr lang="zh-CN" altLang="en-US" dirty="0"/>
               <a:t>分布式事务：</a:t>
             </a:r>
             <a:endParaRPr lang="en-US" altLang="zh-CN" dirty="0"/>
           </a:p>
           <a:p>
             <a:r>
-              <a:rPr lang="zh-CN" altLang="en-US" dirty="0" smtClean="0"/>
+              <a:rPr lang="zh-CN" altLang="en-US" dirty="0"/>
               <a:t>使用最终一致性带来的伸缩性远高于两阶段提交（两阶段提交是违反伸缩性和高可用性的）。</a:t>
             </a:r>
-            <a:endParaRPr lang="en-US" altLang="zh-CN" dirty="0" smtClean="0"/>
+            <a:endParaRPr lang="en-US" altLang="zh-CN" dirty="0"/>
           </a:p>
           <a:p>
             <a:endParaRPr lang="zh-CN" altLang="en-US" dirty="0"/>
@@ -3282,10 +3316,9 @@
           <a:lstStyle/>
           <a:p>
             <a:r>
-              <a:rPr lang="zh-CN" altLang="en-US" dirty="0" smtClean="0"/>
+              <a:rPr lang="zh-CN" altLang="en-US" dirty="0"/>
               <a:t>大型网站后台架构</a:t>
             </a:r>
-            <a:endParaRPr lang="zh-CN" altLang="en-US" dirty="0"/>
           </a:p>
         </p:txBody>
       </p:sp>
@@ -3312,244 +3345,208 @@
           <a:lstStyle/>
           <a:p>
             <a:r>
-              <a:rPr lang="en-US" altLang="zh-CN" dirty="0" smtClean="0"/>
+              <a:rPr lang="en-US" altLang="zh-CN" dirty="0"/>
               <a:t>1.</a:t>
             </a:r>
             <a:r>
-              <a:rPr lang="zh-CN" altLang="en-US" dirty="0" smtClean="0"/>
+              <a:rPr lang="zh-CN" altLang="en-US" dirty="0"/>
               <a:t>水平</a:t>
             </a:r>
             <a:r>
-              <a:rPr lang="en-US" altLang="zh-CN" dirty="0" smtClean="0"/>
+              <a:rPr lang="en-US" altLang="zh-CN" dirty="0"/>
               <a:t>+</a:t>
             </a:r>
             <a:r>
-              <a:rPr lang="zh-CN" altLang="en-US" dirty="0" smtClean="0"/>
+              <a:rPr lang="zh-CN" altLang="en-US" dirty="0"/>
               <a:t>垂直方向业务拆分</a:t>
             </a:r>
-            <a:endParaRPr lang="en-US" altLang="zh-CN" dirty="0" smtClean="0"/>
-          </a:p>
-          <a:p>
-            <a:r>
-              <a:rPr lang="en-US" altLang="zh-CN" dirty="0" smtClean="0"/>
+            <a:endParaRPr lang="en-US" altLang="zh-CN" dirty="0"/>
+          </a:p>
+          <a:p>
+            <a:r>
+              <a:rPr lang="en-US" altLang="zh-CN" dirty="0"/>
               <a:t>    a) </a:t>
             </a:r>
             <a:r>
-              <a:rPr lang="zh-CN" altLang="en-US" dirty="0" smtClean="0"/>
+              <a:rPr lang="zh-CN" altLang="en-US" dirty="0"/>
               <a:t>水平拆分，即分层，如接入层，逻辑层，持久层等。</a:t>
             </a:r>
-            <a:endParaRPr lang="en-US" altLang="zh-CN" dirty="0" smtClean="0"/>
-          </a:p>
-          <a:p>
-            <a:r>
-              <a:rPr lang="en-US" altLang="zh-CN" dirty="0"/>
-              <a:t> </a:t>
-            </a:r>
-            <a:r>
-              <a:rPr lang="en-US" altLang="zh-CN" dirty="0" smtClean="0"/>
-              <a:t>   b) </a:t>
-            </a:r>
-            <a:r>
-              <a:rPr lang="zh-CN" altLang="en-US" dirty="0" smtClean="0"/>
+            <a:endParaRPr lang="en-US" altLang="zh-CN" dirty="0"/>
+          </a:p>
+          <a:p>
+            <a:r>
+              <a:rPr lang="en-US" altLang="zh-CN" dirty="0"/>
+              <a:t>    b) </a:t>
+            </a:r>
+            <a:r>
+              <a:rPr lang="zh-CN" altLang="en-US" dirty="0"/>
               <a:t>垂直拆分，即将业务拆分成多个独立模块，进行独立部署和伸缩，每个模块有自己的业务数据库。</a:t>
             </a:r>
-            <a:endParaRPr lang="en-US" altLang="zh-CN" dirty="0" smtClean="0"/>
-          </a:p>
-          <a:p>
-            <a:r>
-              <a:rPr lang="en-US" altLang="zh-CN" dirty="0" smtClean="0"/>
+            <a:endParaRPr lang="en-US" altLang="zh-CN" dirty="0"/>
+          </a:p>
+          <a:p>
+            <a:r>
+              <a:rPr lang="en-US" altLang="zh-CN" dirty="0"/>
               <a:t>2.</a:t>
             </a:r>
             <a:r>
-              <a:rPr lang="zh-CN" altLang="en-US" dirty="0" smtClean="0"/>
+              <a:rPr lang="zh-CN" altLang="en-US" dirty="0"/>
               <a:t>集群</a:t>
             </a:r>
-            <a:endParaRPr lang="en-US" altLang="zh-CN" dirty="0" smtClean="0"/>
-          </a:p>
-          <a:p>
-            <a:r>
-              <a:rPr lang="en-US" altLang="zh-CN" dirty="0"/>
-              <a:t> </a:t>
-            </a:r>
-            <a:r>
-              <a:rPr lang="en-US" altLang="zh-CN" dirty="0" smtClean="0"/>
-              <a:t>   </a:t>
-            </a:r>
-            <a:r>
-              <a:rPr lang="zh-CN" altLang="en-US" dirty="0" smtClean="0"/>
+            <a:endParaRPr lang="en-US" altLang="zh-CN" dirty="0"/>
+          </a:p>
+          <a:p>
+            <a:r>
+              <a:rPr lang="en-US" altLang="zh-CN" dirty="0"/>
+              <a:t>    </a:t>
+            </a:r>
+            <a:r>
+              <a:rPr lang="zh-CN" altLang="en-US" dirty="0"/>
               <a:t>一致性</a:t>
             </a:r>
             <a:r>
-              <a:rPr lang="en-US" altLang="zh-CN" dirty="0" smtClean="0"/>
+              <a:rPr lang="en-US" altLang="zh-CN" dirty="0"/>
               <a:t>hash</a:t>
             </a:r>
             <a:r>
-              <a:rPr lang="zh-CN" altLang="en-US" dirty="0" smtClean="0"/>
+              <a:rPr lang="zh-CN" altLang="en-US" dirty="0"/>
               <a:t>解决相同业务模块多台机器的增删问题，也包括缓存集群机器。</a:t>
             </a:r>
-            <a:endParaRPr lang="en-US" altLang="zh-CN" dirty="0" smtClean="0"/>
-          </a:p>
-          <a:p>
-            <a:r>
-              <a:rPr lang="en-US" altLang="zh-CN" dirty="0" smtClean="0"/>
+            <a:endParaRPr lang="en-US" altLang="zh-CN" dirty="0"/>
+          </a:p>
+          <a:p>
+            <a:r>
+              <a:rPr lang="en-US" altLang="zh-CN" dirty="0"/>
               <a:t>3.</a:t>
             </a:r>
             <a:r>
-              <a:rPr lang="zh-CN" altLang="en-US" dirty="0" smtClean="0"/>
+              <a:rPr lang="zh-CN" altLang="en-US" dirty="0"/>
               <a:t>缓存</a:t>
             </a:r>
-            <a:endParaRPr lang="en-US" altLang="zh-CN" dirty="0" smtClean="0"/>
-          </a:p>
-          <a:p>
-            <a:r>
-              <a:rPr lang="en-US" altLang="zh-CN" dirty="0"/>
-              <a:t> </a:t>
-            </a:r>
-            <a:r>
-              <a:rPr lang="en-US" altLang="zh-CN" dirty="0" smtClean="0"/>
-              <a:t>   a) </a:t>
-            </a:r>
-            <a:r>
-              <a:rPr lang="zh-CN" altLang="en-US" dirty="0" smtClean="0"/>
+            <a:endParaRPr lang="en-US" altLang="zh-CN" dirty="0"/>
+          </a:p>
+          <a:p>
+            <a:r>
+              <a:rPr lang="en-US" altLang="zh-CN" dirty="0"/>
+              <a:t>    a) </a:t>
+            </a:r>
+            <a:r>
+              <a:rPr lang="zh-CN" altLang="en-US" dirty="0"/>
               <a:t>本地缓存，即内存。</a:t>
             </a:r>
-            <a:endParaRPr lang="en-US" altLang="zh-CN" dirty="0" smtClean="0"/>
-          </a:p>
-          <a:p>
-            <a:r>
-              <a:rPr lang="en-US" altLang="zh-CN" dirty="0"/>
-              <a:t> </a:t>
-            </a:r>
-            <a:r>
-              <a:rPr lang="en-US" altLang="zh-CN" dirty="0" smtClean="0"/>
-              <a:t>   b) </a:t>
-            </a:r>
-            <a:r>
-              <a:rPr lang="zh-CN" altLang="en-US" dirty="0" smtClean="0"/>
+            <a:endParaRPr lang="en-US" altLang="zh-CN" dirty="0"/>
+          </a:p>
+          <a:p>
+            <a:r>
+              <a:rPr lang="en-US" altLang="zh-CN" dirty="0"/>
+              <a:t>    b) </a:t>
+            </a:r>
+            <a:r>
+              <a:rPr lang="zh-CN" altLang="en-US" dirty="0"/>
               <a:t>分布式缓存，如</a:t>
             </a:r>
             <a:r>
-              <a:rPr lang="en-US" altLang="zh-CN" dirty="0" err="1" smtClean="0"/>
+              <a:rPr lang="en-US" altLang="zh-CN" dirty="0" err="1"/>
               <a:t>redis</a:t>
             </a:r>
             <a:r>
-              <a:rPr lang="zh-CN" altLang="en-US" dirty="0" smtClean="0"/>
+              <a:rPr lang="zh-CN" altLang="en-US" dirty="0"/>
               <a:t>。</a:t>
             </a:r>
-            <a:endParaRPr lang="en-US" altLang="zh-CN" dirty="0" smtClean="0"/>
-          </a:p>
-          <a:p>
-            <a:r>
-              <a:rPr lang="en-US" altLang="zh-CN" dirty="0"/>
-              <a:t> </a:t>
-            </a:r>
-            <a:r>
-              <a:rPr lang="en-US" altLang="zh-CN" dirty="0" smtClean="0"/>
-              <a:t>   c) </a:t>
-            </a:r>
-            <a:r>
-              <a:rPr lang="zh-CN" altLang="en-US" dirty="0" smtClean="0"/>
+            <a:endParaRPr lang="en-US" altLang="zh-CN" dirty="0"/>
+          </a:p>
+          <a:p>
+            <a:r>
+              <a:rPr lang="en-US" altLang="zh-CN" dirty="0"/>
+              <a:t>    c) </a:t>
+            </a:r>
+            <a:r>
+              <a:rPr lang="zh-CN" altLang="en-US" dirty="0"/>
               <a:t>反向代理，如</a:t>
             </a:r>
             <a:r>
-              <a:rPr lang="en-US" altLang="zh-CN" dirty="0" err="1" smtClean="0"/>
+              <a:rPr lang="en-US" altLang="zh-CN" dirty="0" err="1"/>
               <a:t>nginx</a:t>
             </a:r>
             <a:r>
-              <a:rPr lang="zh-CN" altLang="en-US" dirty="0" smtClean="0"/>
+              <a:rPr lang="zh-CN" altLang="en-US" dirty="0"/>
               <a:t>。</a:t>
             </a:r>
-            <a:endParaRPr lang="en-US" altLang="zh-CN" dirty="0" smtClean="0"/>
-          </a:p>
-          <a:p>
-            <a:r>
-              <a:rPr lang="en-US" altLang="zh-CN" dirty="0"/>
-              <a:t> </a:t>
-            </a:r>
-            <a:r>
-              <a:rPr lang="en-US" altLang="zh-CN" dirty="0" smtClean="0"/>
-              <a:t>   d) CDN</a:t>
-            </a:r>
-            <a:r>
-              <a:rPr lang="zh-CN" altLang="en-US" dirty="0" smtClean="0"/>
+            <a:endParaRPr lang="en-US" altLang="zh-CN" dirty="0"/>
+          </a:p>
+          <a:p>
+            <a:r>
+              <a:rPr lang="en-US" altLang="zh-CN" dirty="0"/>
+              <a:t>    d) CDN</a:t>
+            </a:r>
+            <a:r>
+              <a:rPr lang="zh-CN" altLang="en-US" dirty="0"/>
               <a:t>。</a:t>
             </a:r>
-            <a:endParaRPr lang="en-US" altLang="zh-CN" dirty="0" smtClean="0"/>
-          </a:p>
-          <a:p>
-            <a:r>
-              <a:rPr lang="en-US" altLang="zh-CN" dirty="0" smtClean="0"/>
+            <a:endParaRPr lang="en-US" altLang="zh-CN" dirty="0"/>
+          </a:p>
+          <a:p>
+            <a:r>
+              <a:rPr lang="en-US" altLang="zh-CN" dirty="0"/>
               <a:t>4.</a:t>
             </a:r>
             <a:r>
-              <a:rPr lang="zh-CN" altLang="en-US" dirty="0" smtClean="0"/>
+              <a:rPr lang="zh-CN" altLang="en-US" dirty="0"/>
               <a:t>异步</a:t>
             </a:r>
-            <a:endParaRPr lang="en-US" altLang="zh-CN" dirty="0" smtClean="0"/>
-          </a:p>
-          <a:p>
-            <a:r>
-              <a:rPr lang="en-US" altLang="zh-CN" dirty="0"/>
-              <a:t> </a:t>
-            </a:r>
-            <a:r>
-              <a:rPr lang="en-US" altLang="zh-CN" dirty="0" smtClean="0"/>
-              <a:t>   a) </a:t>
-            </a:r>
-            <a:r>
-              <a:rPr lang="zh-CN" altLang="en-US" dirty="0" smtClean="0"/>
+            <a:endParaRPr lang="en-US" altLang="zh-CN" dirty="0"/>
+          </a:p>
+          <a:p>
+            <a:r>
+              <a:rPr lang="en-US" altLang="zh-CN" dirty="0"/>
+              <a:t>    a) </a:t>
+            </a:r>
+            <a:r>
+              <a:rPr lang="zh-CN" altLang="en-US" dirty="0"/>
               <a:t>消息队列，解耦模块间的强耦合（调用耦合，开发耦合），实现最终一致性，队列缓冲与限流。</a:t>
             </a:r>
-            <a:endParaRPr lang="en-US" altLang="zh-CN" dirty="0" smtClean="0"/>
-          </a:p>
-          <a:p>
-            <a:r>
-              <a:rPr lang="en-US" altLang="zh-CN" dirty="0" smtClean="0"/>
+            <a:endParaRPr lang="en-US" altLang="zh-CN" dirty="0"/>
+          </a:p>
+          <a:p>
+            <a:r>
+              <a:rPr lang="en-US" altLang="zh-CN" dirty="0"/>
               <a:t>5.</a:t>
             </a:r>
             <a:r>
-              <a:rPr lang="zh-CN" altLang="en-US" dirty="0" smtClean="0"/>
+              <a:rPr lang="zh-CN" altLang="en-US" dirty="0"/>
               <a:t>数据库集群</a:t>
             </a:r>
-            <a:endParaRPr lang="en-US" altLang="zh-CN" dirty="0" smtClean="0"/>
-          </a:p>
-          <a:p>
-            <a:r>
-              <a:rPr lang="en-US" altLang="zh-CN" dirty="0"/>
-              <a:t> </a:t>
-            </a:r>
-            <a:r>
-              <a:rPr lang="en-US" altLang="zh-CN" dirty="0" smtClean="0"/>
-              <a:t>   a)</a:t>
-            </a:r>
-            <a:r>
-              <a:rPr lang="zh-CN" altLang="en-US" dirty="0" smtClean="0"/>
+            <a:endParaRPr lang="en-US" altLang="zh-CN" dirty="0"/>
+          </a:p>
+          <a:p>
+            <a:r>
+              <a:rPr lang="en-US" altLang="zh-CN" dirty="0"/>
+              <a:t>    a)</a:t>
+            </a:r>
+            <a:r>
+              <a:rPr lang="zh-CN" altLang="en-US" dirty="0"/>
               <a:t>分库</a:t>
             </a:r>
             <a:r>
-              <a:rPr lang="en-US" altLang="zh-CN" dirty="0" smtClean="0"/>
+              <a:rPr lang="en-US" altLang="zh-CN" dirty="0"/>
               <a:t>+</a:t>
             </a:r>
             <a:r>
-              <a:rPr lang="zh-CN" altLang="en-US" dirty="0" smtClean="0"/>
+              <a:rPr lang="zh-CN" altLang="en-US" dirty="0"/>
               <a:t>分表</a:t>
             </a:r>
-            <a:endParaRPr lang="en-US" altLang="zh-CN" dirty="0" smtClean="0"/>
-          </a:p>
-          <a:p>
-            <a:r>
-              <a:rPr lang="en-US" altLang="zh-CN" dirty="0"/>
-              <a:t> </a:t>
-            </a:r>
-            <a:r>
-              <a:rPr lang="en-US" altLang="zh-CN" dirty="0" smtClean="0"/>
-              <a:t>   b)</a:t>
-            </a:r>
-            <a:r>
-              <a:rPr lang="zh-CN" altLang="en-US" dirty="0" smtClean="0"/>
+            <a:endParaRPr lang="en-US" altLang="zh-CN" dirty="0"/>
+          </a:p>
+          <a:p>
+            <a:r>
+              <a:rPr lang="en-US" altLang="zh-CN" dirty="0"/>
+              <a:t>    b)</a:t>
+            </a:r>
+            <a:r>
+              <a:rPr lang="zh-CN" altLang="en-US" dirty="0"/>
               <a:t>读写分离</a:t>
             </a:r>
-            <a:endParaRPr lang="en-US" altLang="zh-CN" dirty="0" smtClean="0"/>
+            <a:endParaRPr lang="en-US" altLang="zh-CN" dirty="0"/>
           </a:p>
         </p:txBody>
       </p:sp>
@@ -3606,10 +3603,9 @@
           <a:lstStyle/>
           <a:p>
             <a:r>
-              <a:rPr lang="zh-CN" altLang="en-US" dirty="0" smtClean="0"/>
+              <a:rPr lang="zh-CN" altLang="en-US" dirty="0"/>
               <a:t>安全认证与鉴权</a:t>
             </a:r>
-            <a:endParaRPr lang="zh-CN" altLang="en-US" dirty="0"/>
           </a:p>
         </p:txBody>
       </p:sp>
@@ -3636,468 +3632,439 @@
           <a:lstStyle/>
           <a:p>
             <a:r>
-              <a:rPr lang="en-US" altLang="zh-CN" dirty="0" smtClean="0"/>
+              <a:rPr lang="en-US" altLang="zh-CN" dirty="0"/>
               <a:t>1.HTTP</a:t>
             </a:r>
             <a:r>
-              <a:rPr lang="zh-CN" altLang="en-US" dirty="0" smtClean="0"/>
+              <a:rPr lang="zh-CN" altLang="en-US" dirty="0"/>
               <a:t>基本认证</a:t>
             </a:r>
-            <a:endParaRPr lang="en-US" altLang="zh-CN" dirty="0" smtClean="0"/>
-          </a:p>
-          <a:p>
-            <a:r>
-              <a:rPr lang="en-US" altLang="zh-CN" dirty="0"/>
-              <a:t> </a:t>
-            </a:r>
-            <a:r>
-              <a:rPr lang="en-US" altLang="zh-CN" dirty="0" smtClean="0"/>
-              <a:t>   a) client </a:t>
-            </a:r>
-            <a:r>
-              <a:rPr lang="zh-CN" altLang="en-US" dirty="0" smtClean="0"/>
+            <a:endParaRPr lang="en-US" altLang="zh-CN" dirty="0"/>
+          </a:p>
+          <a:p>
+            <a:r>
+              <a:rPr lang="en-US" altLang="zh-CN" dirty="0"/>
+              <a:t>    a) client </a:t>
+            </a:r>
+            <a:r>
+              <a:rPr lang="zh-CN" altLang="en-US" dirty="0"/>
               <a:t>发送</a:t>
             </a:r>
             <a:r>
-              <a:rPr lang="en-US" altLang="zh-CN" dirty="0" smtClean="0"/>
+              <a:rPr lang="en-US" altLang="zh-CN" dirty="0"/>
               <a:t>request</a:t>
             </a:r>
             <a:r>
-              <a:rPr lang="zh-CN" altLang="en-US" dirty="0" smtClean="0"/>
+              <a:rPr lang="zh-CN" altLang="en-US" dirty="0"/>
               <a:t>到</a:t>
             </a:r>
             <a:r>
-              <a:rPr lang="en-US" altLang="zh-CN" dirty="0" smtClean="0"/>
+              <a:rPr lang="en-US" altLang="zh-CN" dirty="0"/>
               <a:t>server</a:t>
             </a:r>
             <a:r>
-              <a:rPr lang="zh-CN" altLang="en-US" dirty="0" smtClean="0"/>
+              <a:rPr lang="zh-CN" altLang="en-US" dirty="0"/>
               <a:t>。</a:t>
             </a:r>
-            <a:endParaRPr lang="en-US" altLang="zh-CN" dirty="0" smtClean="0"/>
-          </a:p>
-          <a:p>
-            <a:r>
-              <a:rPr lang="en-US" altLang="zh-CN" dirty="0"/>
-              <a:t> </a:t>
-            </a:r>
-            <a:r>
-              <a:rPr lang="en-US" altLang="zh-CN" dirty="0" smtClean="0"/>
-              <a:t>   b) server</a:t>
-            </a:r>
-            <a:r>
-              <a:rPr lang="zh-CN" altLang="en-US" dirty="0" smtClean="0"/>
+            <a:endParaRPr lang="en-US" altLang="zh-CN" dirty="0"/>
+          </a:p>
+          <a:p>
+            <a:r>
+              <a:rPr lang="en-US" altLang="zh-CN" dirty="0"/>
+              <a:t>    b) server</a:t>
+            </a:r>
+            <a:r>
+              <a:rPr lang="zh-CN" altLang="en-US" dirty="0"/>
               <a:t>返回</a:t>
             </a:r>
             <a:r>
-              <a:rPr lang="en-US" altLang="zh-CN" dirty="0" smtClean="0"/>
+              <a:rPr lang="en-US" altLang="zh-CN" dirty="0"/>
               <a:t>401</a:t>
             </a:r>
             <a:r>
-              <a:rPr lang="zh-CN" altLang="en-US" dirty="0" smtClean="0"/>
+              <a:rPr lang="zh-CN" altLang="en-US" dirty="0"/>
               <a:t>“未授权”。</a:t>
             </a:r>
-            <a:endParaRPr lang="en-US" altLang="zh-CN" dirty="0" smtClean="0"/>
-          </a:p>
-          <a:p>
-            <a:r>
-              <a:rPr lang="en-US" altLang="zh-CN" dirty="0"/>
-              <a:t> </a:t>
-            </a:r>
-            <a:r>
-              <a:rPr lang="en-US" altLang="zh-CN" dirty="0" smtClean="0"/>
-              <a:t>   c) client</a:t>
-            </a:r>
-            <a:r>
-              <a:rPr lang="zh-CN" altLang="en-US" dirty="0" smtClean="0"/>
+            <a:endParaRPr lang="en-US" altLang="zh-CN" dirty="0"/>
+          </a:p>
+          <a:p>
+            <a:r>
+              <a:rPr lang="en-US" altLang="zh-CN" dirty="0"/>
+              <a:t>    c) client</a:t>
+            </a:r>
+            <a:r>
+              <a:rPr lang="zh-CN" altLang="en-US" dirty="0"/>
               <a:t>把用户名和密码用</a:t>
             </a:r>
             <a:r>
-              <a:rPr lang="en-US" altLang="zh-CN" dirty="0" smtClean="0"/>
+              <a:rPr lang="en-US" altLang="zh-CN" dirty="0"/>
               <a:t>base64</a:t>
             </a:r>
             <a:r>
-              <a:rPr lang="zh-CN" altLang="en-US" dirty="0" smtClean="0"/>
+              <a:rPr lang="zh-CN" altLang="en-US" dirty="0"/>
               <a:t>加密后，放在</a:t>
             </a:r>
             <a:r>
-              <a:rPr lang="en-US" altLang="zh-CN" dirty="0" smtClean="0"/>
+              <a:rPr lang="en-US" altLang="zh-CN" dirty="0"/>
               <a:t>authorization header</a:t>
             </a:r>
             <a:r>
-              <a:rPr lang="zh-CN" altLang="en-US" dirty="0" smtClean="0"/>
+              <a:rPr lang="zh-CN" altLang="en-US" dirty="0"/>
               <a:t>中发给</a:t>
             </a:r>
             <a:r>
-              <a:rPr lang="en-US" altLang="zh-CN" dirty="0" smtClean="0"/>
+              <a:rPr lang="en-US" altLang="zh-CN" dirty="0"/>
               <a:t>server</a:t>
             </a:r>
             <a:r>
-              <a:rPr lang="zh-CN" altLang="en-US" dirty="0" smtClean="0"/>
+              <a:rPr lang="zh-CN" altLang="en-US" dirty="0"/>
               <a:t>。</a:t>
             </a:r>
-            <a:endParaRPr lang="en-US" altLang="zh-CN" dirty="0" smtClean="0"/>
-          </a:p>
-          <a:p>
-            <a:r>
-              <a:rPr lang="en-US" altLang="zh-CN" dirty="0"/>
-              <a:t> </a:t>
-            </a:r>
-            <a:r>
-              <a:rPr lang="en-US" altLang="zh-CN" dirty="0" smtClean="0"/>
-              <a:t>   d) server</a:t>
-            </a:r>
-            <a:r>
-              <a:rPr lang="zh-CN" altLang="en-US" dirty="0" smtClean="0"/>
+            <a:endParaRPr lang="en-US" altLang="zh-CN" dirty="0"/>
+          </a:p>
+          <a:p>
+            <a:r>
+              <a:rPr lang="en-US" altLang="zh-CN" dirty="0"/>
+              <a:t>    d) server</a:t>
+            </a:r>
+            <a:r>
+              <a:rPr lang="zh-CN" altLang="en-US" dirty="0"/>
               <a:t>认证通过，发送数据给</a:t>
             </a:r>
             <a:r>
-              <a:rPr lang="en-US" altLang="zh-CN" dirty="0" smtClean="0"/>
+              <a:rPr lang="en-US" altLang="zh-CN" dirty="0"/>
               <a:t>client</a:t>
             </a:r>
             <a:r>
-              <a:rPr lang="zh-CN" altLang="en-US" dirty="0" smtClean="0"/>
+              <a:rPr lang="zh-CN" altLang="en-US" dirty="0"/>
               <a:t>。</a:t>
             </a:r>
-            <a:endParaRPr lang="en-US" altLang="zh-CN" dirty="0" smtClean="0"/>
-          </a:p>
-          <a:p>
-            <a:r>
-              <a:rPr lang="en-US" altLang="zh-CN" dirty="0" smtClean="0"/>
+            <a:endParaRPr lang="en-US" altLang="zh-CN" dirty="0"/>
+          </a:p>
+          <a:p>
+            <a:r>
+              <a:rPr lang="en-US" altLang="zh-CN" dirty="0"/>
               <a:t>2.Session</a:t>
             </a:r>
             <a:r>
-              <a:rPr lang="zh-CN" altLang="en-US" dirty="0" smtClean="0"/>
+              <a:rPr lang="zh-CN" altLang="en-US" dirty="0"/>
               <a:t>认证</a:t>
             </a:r>
-            <a:endParaRPr lang="en-US" altLang="zh-CN" dirty="0" smtClean="0"/>
-          </a:p>
-          <a:p>
-            <a:r>
-              <a:rPr lang="en-US" altLang="zh-CN" dirty="0"/>
-              <a:t> </a:t>
-            </a:r>
-            <a:r>
-              <a:rPr lang="en-US" altLang="zh-CN" dirty="0" smtClean="0"/>
-              <a:t>   </a:t>
-            </a:r>
-            <a:r>
-              <a:rPr lang="zh-CN" altLang="en-US" dirty="0" smtClean="0"/>
+            <a:endParaRPr lang="en-US" altLang="zh-CN" dirty="0"/>
+          </a:p>
+          <a:p>
+            <a:r>
+              <a:rPr lang="en-US" altLang="zh-CN" dirty="0"/>
+              <a:t>    </a:t>
+            </a:r>
+            <a:r>
+              <a:rPr lang="zh-CN" altLang="en-US" dirty="0"/>
               <a:t>用户登陆后，将信息存储在业务服务器，返回</a:t>
             </a:r>
             <a:r>
-              <a:rPr lang="en-US" altLang="zh-CN" dirty="0" err="1" smtClean="0"/>
+              <a:rPr lang="en-US" altLang="zh-CN" dirty="0" err="1"/>
               <a:t>sessionid</a:t>
             </a:r>
             <a:r>
-              <a:rPr lang="zh-CN" altLang="en-US" dirty="0" smtClean="0"/>
+              <a:rPr lang="zh-CN" altLang="en-US" dirty="0"/>
               <a:t>给</a:t>
             </a:r>
             <a:r>
-              <a:rPr lang="en-US" altLang="zh-CN" dirty="0" smtClean="0"/>
+              <a:rPr lang="en-US" altLang="zh-CN" dirty="0"/>
               <a:t>client</a:t>
             </a:r>
             <a:r>
-              <a:rPr lang="zh-CN" altLang="en-US" dirty="0" smtClean="0"/>
+              <a:rPr lang="zh-CN" altLang="en-US" dirty="0"/>
               <a:t>。相比</a:t>
             </a:r>
             <a:r>
-              <a:rPr lang="en-US" altLang="zh-CN" dirty="0" smtClean="0"/>
+              <a:rPr lang="en-US" altLang="zh-CN" dirty="0"/>
               <a:t>web server</a:t>
             </a:r>
             <a:r>
-              <a:rPr lang="zh-CN" altLang="en-US" dirty="0" smtClean="0"/>
+              <a:rPr lang="zh-CN" altLang="en-US" dirty="0"/>
               <a:t>的</a:t>
             </a:r>
             <a:r>
-              <a:rPr lang="en-US" altLang="zh-CN" dirty="0" smtClean="0"/>
+              <a:rPr lang="en-US" altLang="zh-CN" dirty="0"/>
               <a:t>session</a:t>
             </a:r>
             <a:r>
-              <a:rPr lang="zh-CN" altLang="en-US" dirty="0" smtClean="0"/>
+              <a:rPr lang="zh-CN" altLang="en-US" dirty="0"/>
               <a:t>复制，更好的选择是</a:t>
             </a:r>
             <a:r>
-              <a:rPr lang="en-US" altLang="zh-CN" dirty="0" smtClean="0"/>
+              <a:rPr lang="en-US" altLang="zh-CN" dirty="0"/>
               <a:t>session</a:t>
             </a:r>
             <a:r>
-              <a:rPr lang="zh-CN" altLang="en-US" dirty="0" smtClean="0"/>
+              <a:rPr lang="zh-CN" altLang="en-US" dirty="0"/>
               <a:t>分布式存储，方便相关业务模块扩展。</a:t>
             </a:r>
-            <a:endParaRPr lang="en-US" altLang="zh-CN" dirty="0" smtClean="0"/>
-          </a:p>
-          <a:p>
-            <a:r>
-              <a:rPr lang="en-US" altLang="zh-CN" dirty="0" smtClean="0"/>
+            <a:endParaRPr lang="en-US" altLang="zh-CN" dirty="0"/>
+          </a:p>
+          <a:p>
+            <a:r>
+              <a:rPr lang="en-US" altLang="zh-CN" dirty="0"/>
               <a:t>3.Token</a:t>
             </a:r>
           </a:p>
           <a:p>
             <a:r>
               <a:rPr lang="en-US" altLang="zh-CN" dirty="0"/>
-              <a:t> </a:t>
-            </a:r>
-            <a:r>
-              <a:rPr lang="en-US" altLang="zh-CN" dirty="0" smtClean="0"/>
-              <a:t>   a) client</a:t>
-            </a:r>
-            <a:r>
-              <a:rPr lang="zh-CN" altLang="en-US" dirty="0" smtClean="0"/>
+              <a:t>    a) client</a:t>
+            </a:r>
+            <a:r>
+              <a:rPr lang="zh-CN" altLang="en-US" dirty="0"/>
               <a:t>向认证服务发送登录信息，如果验证通过，认证服务返回</a:t>
             </a:r>
             <a:r>
-              <a:rPr lang="en-US" altLang="zh-CN" dirty="0" smtClean="0"/>
+              <a:rPr lang="en-US" altLang="zh-CN" dirty="0"/>
               <a:t>token</a:t>
             </a:r>
             <a:r>
-              <a:rPr lang="zh-CN" altLang="en-US" dirty="0" smtClean="0"/>
+              <a:rPr lang="zh-CN" altLang="en-US" dirty="0"/>
               <a:t>给</a:t>
             </a:r>
             <a:r>
-              <a:rPr lang="en-US" altLang="zh-CN" dirty="0" smtClean="0"/>
+              <a:rPr lang="en-US" altLang="zh-CN" dirty="0"/>
               <a:t>client</a:t>
             </a:r>
             <a:r>
-              <a:rPr lang="zh-CN" altLang="en-US" dirty="0" smtClean="0"/>
+              <a:rPr lang="zh-CN" altLang="en-US" dirty="0"/>
               <a:t>。</a:t>
             </a:r>
-            <a:endParaRPr lang="en-US" altLang="zh-CN" dirty="0" smtClean="0"/>
-          </a:p>
-          <a:p>
-            <a:r>
-              <a:rPr lang="en-US" altLang="zh-CN" dirty="0"/>
-              <a:t> </a:t>
-            </a:r>
-            <a:r>
-              <a:rPr lang="en-US" altLang="zh-CN" dirty="0" smtClean="0"/>
-              <a:t>   b) client</a:t>
-            </a:r>
-            <a:r>
-              <a:rPr lang="zh-CN" altLang="en-US" dirty="0" smtClean="0"/>
+            <a:endParaRPr lang="en-US" altLang="zh-CN" dirty="0"/>
+          </a:p>
+          <a:p>
+            <a:r>
+              <a:rPr lang="en-US" altLang="zh-CN" dirty="0"/>
+              <a:t>    b) client</a:t>
+            </a:r>
+            <a:r>
+              <a:rPr lang="zh-CN" altLang="en-US" dirty="0"/>
               <a:t>存储</a:t>
             </a:r>
             <a:r>
-              <a:rPr lang="en-US" altLang="zh-CN" dirty="0" smtClean="0"/>
+              <a:rPr lang="en-US" altLang="zh-CN" dirty="0"/>
               <a:t>token</a:t>
             </a:r>
             <a:r>
-              <a:rPr lang="zh-CN" altLang="en-US" dirty="0" smtClean="0"/>
+              <a:rPr lang="zh-CN" altLang="en-US" dirty="0"/>
               <a:t>，后续</a:t>
             </a:r>
             <a:r>
-              <a:rPr lang="en-US" altLang="zh-CN" dirty="0" smtClean="0"/>
+              <a:rPr lang="en-US" altLang="zh-CN" dirty="0"/>
               <a:t>client</a:t>
             </a:r>
             <a:r>
-              <a:rPr lang="zh-CN" altLang="en-US" dirty="0" smtClean="0"/>
+              <a:rPr lang="zh-CN" altLang="en-US" dirty="0"/>
               <a:t>请求都携带</a:t>
             </a:r>
             <a:r>
-              <a:rPr lang="en-US" altLang="zh-CN" dirty="0" smtClean="0"/>
+              <a:rPr lang="en-US" altLang="zh-CN" dirty="0"/>
               <a:t>token</a:t>
             </a:r>
             <a:r>
-              <a:rPr lang="zh-CN" altLang="en-US" dirty="0" smtClean="0"/>
+              <a:rPr lang="zh-CN" altLang="en-US" dirty="0"/>
               <a:t>，业务服务器验证</a:t>
             </a:r>
             <a:r>
-              <a:rPr lang="en-US" altLang="zh-CN" dirty="0" smtClean="0"/>
+              <a:rPr lang="en-US" altLang="zh-CN" dirty="0"/>
               <a:t>token</a:t>
             </a:r>
             <a:r>
-              <a:rPr lang="zh-CN" altLang="en-US" dirty="0" smtClean="0"/>
+              <a:rPr lang="zh-CN" altLang="en-US" dirty="0"/>
               <a:t>并返回数据。</a:t>
             </a:r>
-            <a:endParaRPr lang="en-US" altLang="zh-CN" dirty="0" smtClean="0"/>
-          </a:p>
-          <a:p>
-            <a:r>
-              <a:rPr lang="en-US" altLang="zh-CN" dirty="0" smtClean="0"/>
+            <a:endParaRPr lang="en-US" altLang="zh-CN" dirty="0"/>
+          </a:p>
+          <a:p>
+            <a:r>
+              <a:rPr lang="en-US" altLang="zh-CN" dirty="0"/>
               <a:t>4.JWT</a:t>
             </a:r>
           </a:p>
           <a:p>
             <a:r>
-              <a:rPr lang="en-US" altLang="zh-CN" dirty="0" smtClean="0"/>
+              <a:rPr lang="en-US" altLang="zh-CN" dirty="0"/>
               <a:t>    client</a:t>
             </a:r>
             <a:r>
-              <a:rPr lang="zh-CN" altLang="en-US" dirty="0" smtClean="0"/>
+              <a:rPr lang="zh-CN" altLang="en-US" dirty="0"/>
               <a:t>登录到</a:t>
             </a:r>
             <a:r>
-              <a:rPr lang="en-US" altLang="zh-CN" dirty="0" smtClean="0"/>
+              <a:rPr lang="en-US" altLang="zh-CN" dirty="0"/>
               <a:t>server</a:t>
             </a:r>
             <a:r>
-              <a:rPr lang="zh-CN" altLang="en-US" dirty="0" smtClean="0"/>
+              <a:rPr lang="zh-CN" altLang="en-US" dirty="0"/>
               <a:t>，</a:t>
             </a:r>
             <a:r>
-              <a:rPr lang="en-US" altLang="zh-CN" dirty="0" smtClean="0"/>
+              <a:rPr lang="en-US" altLang="zh-CN" dirty="0"/>
               <a:t>server</a:t>
             </a:r>
             <a:r>
-              <a:rPr lang="zh-CN" altLang="en-US" dirty="0" smtClean="0"/>
+              <a:rPr lang="zh-CN" altLang="en-US" dirty="0"/>
               <a:t>将用户名和密码发送到认证服务器，认证通过</a:t>
             </a:r>
             <a:r>
-              <a:rPr lang="en-US" altLang="zh-CN" dirty="0" smtClean="0"/>
+              <a:rPr lang="en-US" altLang="zh-CN" dirty="0"/>
               <a:t>server</a:t>
             </a:r>
             <a:r>
-              <a:rPr lang="zh-CN" altLang="en-US" dirty="0" smtClean="0"/>
+              <a:rPr lang="zh-CN" altLang="en-US" dirty="0"/>
               <a:t>生成</a:t>
             </a:r>
             <a:r>
-              <a:rPr lang="en-US" altLang="zh-CN" dirty="0" err="1" smtClean="0"/>
+              <a:rPr lang="en-US" altLang="zh-CN" dirty="0" err="1"/>
               <a:t>jwt</a:t>
             </a:r>
             <a:r>
-              <a:rPr lang="zh-CN" altLang="en-US" dirty="0" smtClean="0"/>
+              <a:rPr lang="zh-CN" altLang="en-US" dirty="0"/>
               <a:t>给</a:t>
             </a:r>
             <a:r>
-              <a:rPr lang="en-US" altLang="zh-CN" dirty="0" smtClean="0"/>
+              <a:rPr lang="en-US" altLang="zh-CN" dirty="0"/>
               <a:t>client</a:t>
             </a:r>
             <a:r>
-              <a:rPr lang="zh-CN" altLang="en-US" dirty="0" smtClean="0"/>
+              <a:rPr lang="zh-CN" altLang="en-US" dirty="0"/>
               <a:t>，并加入到后续请求</a:t>
             </a:r>
             <a:r>
-              <a:rPr lang="en-US" altLang="zh-CN" dirty="0" smtClean="0"/>
+              <a:rPr lang="en-US" altLang="zh-CN" dirty="0"/>
               <a:t>header</a:t>
             </a:r>
             <a:r>
-              <a:rPr lang="zh-CN" altLang="en-US" dirty="0" smtClean="0"/>
+              <a:rPr lang="zh-CN" altLang="en-US" dirty="0"/>
               <a:t>中。</a:t>
             </a:r>
             <a:r>
-              <a:rPr lang="en-US" altLang="zh-CN" dirty="0" smtClean="0"/>
+              <a:rPr lang="en-US" altLang="zh-CN" dirty="0"/>
               <a:t>Server</a:t>
             </a:r>
             <a:r>
-              <a:rPr lang="zh-CN" altLang="en-US" dirty="0" smtClean="0"/>
+              <a:rPr lang="zh-CN" altLang="en-US" dirty="0"/>
               <a:t>校验</a:t>
             </a:r>
             <a:r>
-              <a:rPr lang="en-US" altLang="zh-CN" dirty="0" err="1" smtClean="0"/>
+              <a:rPr lang="en-US" altLang="zh-CN" dirty="0" err="1"/>
               <a:t>jwt</a:t>
             </a:r>
             <a:r>
-              <a:rPr lang="zh-CN" altLang="en-US" dirty="0" smtClean="0"/>
+              <a:rPr lang="zh-CN" altLang="en-US" dirty="0"/>
               <a:t>并返回数据。</a:t>
             </a:r>
             <a:r>
-              <a:rPr lang="en-US" altLang="zh-CN" dirty="0" err="1" smtClean="0"/>
+              <a:rPr lang="en-US" altLang="zh-CN" dirty="0" err="1"/>
               <a:t>Jwt</a:t>
             </a:r>
             <a:r>
-              <a:rPr lang="zh-CN" altLang="en-US" dirty="0" smtClean="0"/>
+              <a:rPr lang="zh-CN" altLang="en-US" dirty="0"/>
               <a:t>其实是</a:t>
             </a:r>
             <a:r>
-              <a:rPr lang="en-US" altLang="zh-CN" dirty="0" smtClean="0"/>
+              <a:rPr lang="en-US" altLang="zh-CN" dirty="0"/>
               <a:t>server</a:t>
             </a:r>
             <a:r>
-              <a:rPr lang="zh-CN" altLang="en-US" dirty="0" smtClean="0"/>
+              <a:rPr lang="zh-CN" altLang="en-US" dirty="0"/>
               <a:t>端的私钥加密数据。</a:t>
             </a:r>
             <a:endParaRPr lang="en-US" altLang="zh-CN" dirty="0"/>
           </a:p>
           <a:p>
             <a:r>
-              <a:rPr lang="en-US" altLang="zh-CN" dirty="0" smtClean="0"/>
+              <a:rPr lang="en-US" altLang="zh-CN" dirty="0"/>
               <a:t>5.Oauth2.0</a:t>
             </a:r>
-            <a:endParaRPr lang="en-US" altLang="zh-CN" dirty="0"/>
-          </a:p>
-          <a:p>
-            <a:r>
-              <a:rPr lang="en-US" altLang="zh-CN" dirty="0" smtClean="0"/>
+          </a:p>
+          <a:p>
+            <a:r>
+              <a:rPr lang="en-US" altLang="zh-CN" dirty="0"/>
               <a:t>    client</a:t>
             </a:r>
             <a:r>
-              <a:rPr lang="zh-CN" altLang="en-US" dirty="0" smtClean="0"/>
+              <a:rPr lang="zh-CN" altLang="en-US" dirty="0"/>
               <a:t>向</a:t>
             </a:r>
             <a:r>
-              <a:rPr lang="en-US" altLang="zh-CN" dirty="0" smtClean="0"/>
+              <a:rPr lang="en-US" altLang="zh-CN" dirty="0"/>
               <a:t>res owner</a:t>
             </a:r>
             <a:r>
-              <a:rPr lang="zh-CN" altLang="en-US" dirty="0" smtClean="0"/>
+              <a:rPr lang="zh-CN" altLang="en-US" dirty="0"/>
               <a:t>请求</a:t>
             </a:r>
             <a:r>
-              <a:rPr lang="en-US" altLang="zh-CN" dirty="0" smtClean="0"/>
+              <a:rPr lang="en-US" altLang="zh-CN" dirty="0"/>
               <a:t>grant</a:t>
             </a:r>
             <a:r>
-              <a:rPr lang="zh-CN" altLang="en-US" dirty="0" smtClean="0"/>
+              <a:rPr lang="zh-CN" altLang="en-US" dirty="0"/>
               <a:t>，</a:t>
             </a:r>
             <a:r>
-              <a:rPr lang="en-US" altLang="zh-CN" dirty="0" smtClean="0"/>
+              <a:rPr lang="en-US" altLang="zh-CN" dirty="0"/>
               <a:t>client</a:t>
             </a:r>
             <a:r>
-              <a:rPr lang="zh-CN" altLang="en-US" dirty="0" smtClean="0"/>
+              <a:rPr lang="zh-CN" altLang="en-US" dirty="0"/>
               <a:t>携带</a:t>
             </a:r>
             <a:r>
-              <a:rPr lang="en-US" altLang="zh-CN" dirty="0" smtClean="0"/>
+              <a:rPr lang="en-US" altLang="zh-CN" dirty="0"/>
               <a:t>grant</a:t>
             </a:r>
             <a:r>
-              <a:rPr lang="zh-CN" altLang="en-US" dirty="0" smtClean="0"/>
+              <a:rPr lang="zh-CN" altLang="en-US" dirty="0"/>
               <a:t>到</a:t>
             </a:r>
             <a:r>
-              <a:rPr lang="en-US" altLang="zh-CN" dirty="0" smtClean="0"/>
+              <a:rPr lang="en-US" altLang="zh-CN" dirty="0"/>
               <a:t>res </a:t>
             </a:r>
             <a:r>
-              <a:rPr lang="en-US" altLang="zh-CN" dirty="0" err="1" smtClean="0"/>
+              <a:rPr lang="en-US" altLang="zh-CN" dirty="0" err="1"/>
               <a:t>auth</a:t>
             </a:r>
             <a:r>
-              <a:rPr lang="zh-CN" altLang="en-US" dirty="0" smtClean="0"/>
+              <a:rPr lang="zh-CN" altLang="en-US" dirty="0"/>
               <a:t>服务器生成</a:t>
             </a:r>
             <a:r>
-              <a:rPr lang="en-US" altLang="zh-CN" dirty="0" smtClean="0"/>
+              <a:rPr lang="en-US" altLang="zh-CN" dirty="0"/>
               <a:t>token</a:t>
             </a:r>
             <a:r>
-              <a:rPr lang="zh-CN" altLang="en-US" dirty="0" smtClean="0"/>
+              <a:rPr lang="zh-CN" altLang="en-US" dirty="0"/>
               <a:t>，</a:t>
             </a:r>
             <a:r>
-              <a:rPr lang="en-US" altLang="zh-CN" dirty="0" smtClean="0"/>
+              <a:rPr lang="en-US" altLang="zh-CN" dirty="0"/>
               <a:t>client</a:t>
             </a:r>
             <a:r>
-              <a:rPr lang="zh-CN" altLang="en-US" dirty="0" smtClean="0"/>
+              <a:rPr lang="zh-CN" altLang="en-US" dirty="0"/>
               <a:t>携带</a:t>
             </a:r>
             <a:r>
-              <a:rPr lang="en-US" altLang="zh-CN" dirty="0" smtClean="0"/>
+              <a:rPr lang="en-US" altLang="zh-CN" dirty="0"/>
               <a:t>token</a:t>
             </a:r>
             <a:r>
-              <a:rPr lang="zh-CN" altLang="en-US" dirty="0" smtClean="0"/>
+              <a:rPr lang="zh-CN" altLang="en-US" dirty="0"/>
               <a:t>到</a:t>
             </a:r>
             <a:r>
-              <a:rPr lang="en-US" altLang="zh-CN" dirty="0" smtClean="0"/>
+              <a:rPr lang="en-US" altLang="zh-CN" dirty="0"/>
               <a:t>res server</a:t>
             </a:r>
             <a:r>
-              <a:rPr lang="zh-CN" altLang="en-US" dirty="0" smtClean="0"/>
+              <a:rPr lang="zh-CN" altLang="en-US" dirty="0"/>
               <a:t>请求并返回资源。</a:t>
             </a:r>
             <a:endParaRPr lang="en-US" altLang="zh-CN" dirty="0"/>
@@ -4107,7 +4074,7 @@
           </a:p>
           <a:p>
             <a:r>
-              <a:rPr lang="en-US" altLang="zh-CN" b="1" dirty="0" err="1" smtClean="0">
+              <a:rPr lang="en-US" altLang="zh-CN" b="1" dirty="0" err="1">
                 <a:solidFill>
                   <a:srgbClr val="FF0000"/>
                 </a:solidFill>
@@ -4115,31 +4082,15 @@
               <a:t>Oauth</a:t>
             </a:r>
             <a:r>
-              <a:rPr lang="zh-CN" altLang="en-US" b="1" dirty="0" smtClean="0">
-                <a:solidFill>
-                  <a:srgbClr val="FF0000"/>
-                </a:solidFill>
-              </a:rPr>
-              <a:t>适合</a:t>
-            </a:r>
-            <a:r>
               <a:rPr lang="zh-CN" altLang="en-US" b="1" dirty="0">
                 <a:solidFill>
                   <a:srgbClr val="FF0000"/>
                 </a:solidFill>
               </a:rPr>
-              <a:t>第三</a:t>
-            </a:r>
-            <a:r>
-              <a:rPr lang="zh-CN" altLang="en-US" b="1" dirty="0" smtClean="0">
-                <a:solidFill>
-                  <a:srgbClr val="FF0000"/>
-                </a:solidFill>
-              </a:rPr>
-              <a:t>方接入场景的权限管理，</a:t>
-            </a:r>
-            <a:r>
-              <a:rPr lang="en-US" altLang="zh-CN" b="1" dirty="0" smtClean="0">
+              <a:t>适合第三方接入场景的权限管理，</a:t>
+            </a:r>
+            <a:r>
+              <a:rPr lang="en-US" altLang="zh-CN" b="1" dirty="0">
                 <a:solidFill>
                   <a:srgbClr val="FF0000"/>
                 </a:solidFill>
@@ -4147,14 +4098,14 @@
               <a:t>JWT</a:t>
             </a:r>
             <a:r>
-              <a:rPr lang="zh-CN" altLang="en-US" b="1" dirty="0" smtClean="0">
+              <a:rPr lang="zh-CN" altLang="en-US" b="1" dirty="0">
                 <a:solidFill>
                   <a:srgbClr val="FF0000"/>
                 </a:solidFill>
               </a:rPr>
               <a:t>适合端到端之间的访问鉴权。</a:t>
             </a:r>
-            <a:endParaRPr lang="en-US" altLang="zh-CN" b="1" dirty="0" smtClean="0">
+            <a:endParaRPr lang="en-US" altLang="zh-CN" b="1" dirty="0">
               <a:solidFill>
                 <a:srgbClr val="FF0000"/>
               </a:solidFill>
@@ -4216,13 +4167,8 @@
           <a:p>
             <a:r>
               <a:rPr lang="zh-CN" altLang="en-US" dirty="0"/>
-              <a:t>微服务</a:t>
-            </a:r>
-            <a:r>
-              <a:rPr lang="zh-CN" altLang="en-US" dirty="0" smtClean="0"/>
-              <a:t>架构设计</a:t>
-            </a:r>
-            <a:endParaRPr lang="zh-CN" altLang="en-US" dirty="0"/>
+              <a:t>微服务架构设计</a:t>
+            </a:r>
           </a:p>
         </p:txBody>
       </p:sp>
@@ -4249,154 +4195,126 @@
           <a:lstStyle/>
           <a:p>
             <a:r>
-              <a:rPr lang="zh-CN" altLang="en-US" dirty="0" smtClean="0"/>
+              <a:rPr lang="zh-CN" altLang="en-US" dirty="0"/>
               <a:t>微服务：一些协同工作的小而自治的服务。</a:t>
             </a:r>
-            <a:endParaRPr lang="en-US" altLang="zh-CN" dirty="0" smtClean="0"/>
-          </a:p>
-          <a:p>
-            <a:r>
-              <a:rPr lang="zh-CN" altLang="en-US" dirty="0" smtClean="0"/>
+            <a:endParaRPr lang="en-US" altLang="zh-CN" dirty="0"/>
+          </a:p>
+          <a:p>
+            <a:r>
+              <a:rPr lang="zh-CN" altLang="en-US" dirty="0"/>
               <a:t>特点：</a:t>
             </a:r>
-            <a:endParaRPr lang="en-US" altLang="zh-CN" dirty="0" smtClean="0"/>
-          </a:p>
-          <a:p>
-            <a:r>
-              <a:rPr lang="en-US" altLang="zh-CN" dirty="0"/>
-              <a:t> </a:t>
-            </a:r>
-            <a:r>
-              <a:rPr lang="en-US" altLang="zh-CN" dirty="0" smtClean="0"/>
-              <a:t>   a)</a:t>
-            </a:r>
-            <a:r>
-              <a:rPr lang="zh-CN" altLang="en-US" dirty="0" smtClean="0"/>
+            <a:endParaRPr lang="en-US" altLang="zh-CN" dirty="0"/>
+          </a:p>
+          <a:p>
+            <a:r>
+              <a:rPr lang="en-US" altLang="zh-CN" dirty="0"/>
+              <a:t>    a)</a:t>
+            </a:r>
+            <a:r>
+              <a:rPr lang="zh-CN" altLang="en-US" dirty="0"/>
               <a:t>很小：专注于做好一件事。</a:t>
             </a:r>
-            <a:endParaRPr lang="en-US" altLang="zh-CN" dirty="0" smtClean="0"/>
-          </a:p>
-          <a:p>
-            <a:r>
-              <a:rPr lang="zh-CN" altLang="en-US" dirty="0" smtClean="0"/>
+            <a:endParaRPr lang="en-US" altLang="zh-CN" dirty="0"/>
+          </a:p>
+          <a:p>
+            <a:r>
+              <a:rPr lang="zh-CN" altLang="en-US" dirty="0"/>
               <a:t>    </a:t>
             </a:r>
             <a:r>
-              <a:rPr lang="en-US" altLang="zh-CN" dirty="0" smtClean="0"/>
+              <a:rPr lang="en-US" altLang="zh-CN" dirty="0"/>
               <a:t>b)</a:t>
             </a:r>
             <a:r>
-              <a:rPr lang="zh-CN" altLang="en-US" dirty="0" smtClean="0"/>
+              <a:rPr lang="zh-CN" altLang="en-US" dirty="0"/>
               <a:t>自治性：服务间独立部署和更新。</a:t>
             </a:r>
-            <a:endParaRPr lang="en-US" altLang="zh-CN" dirty="0" smtClean="0"/>
-          </a:p>
-          <a:p>
-            <a:r>
-              <a:rPr lang="zh-CN" altLang="en-US" dirty="0" smtClean="0"/>
+            <a:endParaRPr lang="en-US" altLang="zh-CN" dirty="0"/>
+          </a:p>
+          <a:p>
+            <a:r>
+              <a:rPr lang="zh-CN" altLang="en-US" dirty="0"/>
               <a:t>好处：</a:t>
             </a:r>
-            <a:endParaRPr lang="en-US" altLang="zh-CN" dirty="0" smtClean="0"/>
-          </a:p>
-          <a:p>
-            <a:r>
-              <a:rPr lang="en-US" altLang="zh-CN" dirty="0"/>
-              <a:t> </a:t>
-            </a:r>
-            <a:r>
-              <a:rPr lang="en-US" altLang="zh-CN" dirty="0" smtClean="0"/>
-              <a:t>   a)</a:t>
-            </a:r>
-            <a:r>
-              <a:rPr lang="zh-CN" altLang="en-US" dirty="0" smtClean="0"/>
+            <a:endParaRPr lang="en-US" altLang="zh-CN" dirty="0"/>
+          </a:p>
+          <a:p>
+            <a:r>
+              <a:rPr lang="en-US" altLang="zh-CN" dirty="0"/>
+              <a:t>    a)</a:t>
+            </a:r>
+            <a:r>
+              <a:rPr lang="zh-CN" altLang="en-US" dirty="0"/>
               <a:t>技术异构性</a:t>
             </a:r>
-            <a:endParaRPr lang="en-US" altLang="zh-CN" dirty="0" smtClean="0"/>
-          </a:p>
-          <a:p>
-            <a:r>
-              <a:rPr lang="en-US" altLang="zh-CN" dirty="0"/>
-              <a:t> </a:t>
-            </a:r>
-            <a:r>
-              <a:rPr lang="en-US" altLang="zh-CN" dirty="0" smtClean="0"/>
-              <a:t>   b)</a:t>
-            </a:r>
-            <a:r>
-              <a:rPr lang="zh-CN" altLang="en-US" dirty="0" smtClean="0"/>
+            <a:endParaRPr lang="en-US" altLang="zh-CN" dirty="0"/>
+          </a:p>
+          <a:p>
+            <a:r>
+              <a:rPr lang="en-US" altLang="zh-CN" dirty="0"/>
+              <a:t>    b)</a:t>
+            </a:r>
+            <a:r>
+              <a:rPr lang="zh-CN" altLang="en-US" dirty="0"/>
               <a:t>弹性（处理服务不可用和功能降级）</a:t>
             </a:r>
-            <a:endParaRPr lang="en-US" altLang="zh-CN" dirty="0" smtClean="0"/>
-          </a:p>
-          <a:p>
-            <a:r>
-              <a:rPr lang="en-US" altLang="zh-CN" dirty="0"/>
-              <a:t> </a:t>
-            </a:r>
-            <a:r>
-              <a:rPr lang="en-US" altLang="zh-CN" dirty="0" smtClean="0"/>
-              <a:t>   c)</a:t>
-            </a:r>
-            <a:r>
-              <a:rPr lang="zh-CN" altLang="en-US" dirty="0" smtClean="0"/>
+            <a:endParaRPr lang="en-US" altLang="zh-CN" dirty="0"/>
+          </a:p>
+          <a:p>
+            <a:r>
+              <a:rPr lang="en-US" altLang="zh-CN" dirty="0"/>
+              <a:t>    c)</a:t>
+            </a:r>
+            <a:r>
+              <a:rPr lang="zh-CN" altLang="en-US" dirty="0"/>
               <a:t>扩展</a:t>
             </a:r>
-            <a:endParaRPr lang="en-US" altLang="zh-CN" dirty="0" smtClean="0"/>
-          </a:p>
-          <a:p>
-            <a:r>
-              <a:rPr lang="en-US" altLang="zh-CN" dirty="0"/>
-              <a:t> </a:t>
-            </a:r>
-            <a:r>
-              <a:rPr lang="en-US" altLang="zh-CN" dirty="0" smtClean="0"/>
-              <a:t>   d)</a:t>
-            </a:r>
-            <a:r>
-              <a:rPr lang="zh-CN" altLang="en-US" dirty="0" smtClean="0"/>
+            <a:endParaRPr lang="en-US" altLang="zh-CN" dirty="0"/>
+          </a:p>
+          <a:p>
+            <a:r>
+              <a:rPr lang="en-US" altLang="zh-CN" dirty="0"/>
+              <a:t>    d)</a:t>
+            </a:r>
+            <a:r>
+              <a:rPr lang="zh-CN" altLang="en-US" dirty="0"/>
               <a:t>简化部署</a:t>
             </a:r>
-            <a:endParaRPr lang="en-US" altLang="zh-CN" dirty="0" smtClean="0"/>
-          </a:p>
-          <a:p>
-            <a:r>
-              <a:rPr lang="en-US" altLang="zh-CN" dirty="0"/>
-              <a:t> </a:t>
-            </a:r>
-            <a:r>
-              <a:rPr lang="en-US" altLang="zh-CN" dirty="0" smtClean="0"/>
-              <a:t>   e)</a:t>
-            </a:r>
-            <a:r>
-              <a:rPr lang="zh-CN" altLang="en-US" dirty="0" smtClean="0"/>
+            <a:endParaRPr lang="en-US" altLang="zh-CN" dirty="0"/>
+          </a:p>
+          <a:p>
+            <a:r>
+              <a:rPr lang="en-US" altLang="zh-CN" dirty="0"/>
+              <a:t>    e)</a:t>
+            </a:r>
+            <a:r>
+              <a:rPr lang="zh-CN" altLang="en-US" dirty="0"/>
               <a:t>与组织结构相匹配</a:t>
             </a:r>
-            <a:endParaRPr lang="en-US" altLang="zh-CN" dirty="0" smtClean="0"/>
-          </a:p>
-          <a:p>
-            <a:r>
-              <a:rPr lang="en-US" altLang="zh-CN" dirty="0"/>
-              <a:t> </a:t>
-            </a:r>
-            <a:r>
-              <a:rPr lang="en-US" altLang="zh-CN" dirty="0" smtClean="0"/>
-              <a:t>   f)</a:t>
-            </a:r>
-            <a:r>
-              <a:rPr lang="zh-CN" altLang="en-US" dirty="0" smtClean="0"/>
+            <a:endParaRPr lang="en-US" altLang="zh-CN" dirty="0"/>
+          </a:p>
+          <a:p>
+            <a:r>
+              <a:rPr lang="en-US" altLang="zh-CN" dirty="0"/>
+              <a:t>    f)</a:t>
+            </a:r>
+            <a:r>
+              <a:rPr lang="zh-CN" altLang="en-US" dirty="0"/>
               <a:t>可组合，可替代</a:t>
             </a:r>
             <a:endParaRPr lang="en-US" altLang="zh-CN" dirty="0"/>
           </a:p>
           <a:p>
-            <a:endParaRPr lang="en-US" altLang="zh-CN" dirty="0" smtClean="0"/>
-          </a:p>
-          <a:p>
-            <a:r>
-              <a:rPr lang="zh-CN" altLang="en-US" dirty="0" smtClean="0"/>
+            <a:endParaRPr lang="en-US" altLang="zh-CN" dirty="0"/>
+          </a:p>
+          <a:p>
+            <a:r>
+              <a:rPr lang="zh-CN" altLang="en-US" dirty="0"/>
               <a:t>好的架构是一个持续迭代的过程，不是一蹴而就的。</a:t>
             </a:r>
-            <a:endParaRPr lang="en-US" altLang="zh-CN" dirty="0" smtClean="0"/>
+            <a:endParaRPr lang="en-US" altLang="zh-CN" dirty="0"/>
           </a:p>
         </p:txBody>
       </p:sp>
@@ -4454,13 +4372,8 @@
           <a:p>
             <a:r>
               <a:rPr lang="zh-CN" altLang="en-US" dirty="0"/>
-              <a:t>微服务</a:t>
-            </a:r>
-            <a:r>
-              <a:rPr lang="zh-CN" altLang="en-US" dirty="0" smtClean="0"/>
-              <a:t>架构设计</a:t>
-            </a:r>
-            <a:endParaRPr lang="zh-CN" altLang="en-US" dirty="0"/>
+              <a:t>微服务架构设计</a:t>
+            </a:r>
           </a:p>
         </p:txBody>
       </p:sp>
@@ -4487,224 +4400,200 @@
           <a:lstStyle/>
           <a:p>
             <a:r>
-              <a:rPr lang="zh-CN" altLang="en-US" dirty="0" smtClean="0"/>
+              <a:rPr lang="zh-CN" altLang="en-US" dirty="0"/>
               <a:t>数据库扩展：</a:t>
             </a:r>
-            <a:endParaRPr lang="en-US" altLang="zh-CN" dirty="0" smtClean="0"/>
-          </a:p>
-          <a:p>
-            <a:r>
-              <a:rPr lang="zh-CN" altLang="en-US" dirty="0" smtClean="0"/>
+            <a:endParaRPr lang="en-US" altLang="zh-CN" dirty="0"/>
+          </a:p>
+          <a:p>
+            <a:r>
+              <a:rPr lang="zh-CN" altLang="en-US" dirty="0"/>
               <a:t>读扩展：</a:t>
             </a:r>
-            <a:endParaRPr lang="en-US" altLang="zh-CN" dirty="0" smtClean="0"/>
-          </a:p>
-          <a:p>
-            <a:r>
-              <a:rPr lang="en-US" altLang="zh-CN" dirty="0"/>
-              <a:t> </a:t>
-            </a:r>
-            <a:r>
-              <a:rPr lang="en-US" altLang="zh-CN" dirty="0" smtClean="0"/>
-              <a:t>   a)</a:t>
-            </a:r>
-            <a:r>
-              <a:rPr lang="zh-CN" altLang="en-US" dirty="0" smtClean="0"/>
+            <a:endParaRPr lang="en-US" altLang="zh-CN" dirty="0"/>
+          </a:p>
+          <a:p>
+            <a:r>
+              <a:rPr lang="en-US" altLang="zh-CN" dirty="0"/>
+              <a:t>    a)</a:t>
+            </a:r>
+            <a:r>
+              <a:rPr lang="zh-CN" altLang="en-US" dirty="0"/>
               <a:t>缓存</a:t>
             </a:r>
-            <a:endParaRPr lang="en-US" altLang="zh-CN" dirty="0" smtClean="0"/>
-          </a:p>
-          <a:p>
-            <a:r>
-              <a:rPr lang="en-US" altLang="zh-CN" dirty="0"/>
-              <a:t> </a:t>
-            </a:r>
-            <a:r>
-              <a:rPr lang="en-US" altLang="zh-CN" dirty="0" smtClean="0"/>
-              <a:t>   b)</a:t>
-            </a:r>
-            <a:r>
-              <a:rPr lang="zh-CN" altLang="en-US" dirty="0" smtClean="0"/>
-              <a:t>主从结构，主写，多副本读。（过去流行，现在更高效的是缓存</a:t>
-            </a:r>
-            <a:r>
-              <a:rPr lang="zh-CN" altLang="en-US" dirty="0" smtClean="0"/>
-              <a:t>）</a:t>
-            </a:r>
-            <a:endParaRPr lang="en-US" altLang="zh-CN" dirty="0" smtClean="0"/>
-          </a:p>
-          <a:p>
-            <a:endParaRPr lang="en-US" altLang="zh-CN" dirty="0" smtClean="0"/>
-          </a:p>
-          <a:p>
-            <a:r>
-              <a:rPr lang="zh-CN" altLang="en-US" dirty="0" smtClean="0"/>
+            <a:endParaRPr lang="en-US" altLang="zh-CN" dirty="0"/>
+          </a:p>
+          <a:p>
+            <a:r>
+              <a:rPr lang="en-US" altLang="zh-CN" dirty="0"/>
+              <a:t>    b)</a:t>
+            </a:r>
+            <a:r>
+              <a:rPr lang="zh-CN" altLang="en-US" dirty="0"/>
+              <a:t>主从结构，主写，多副本读。（过去流行，现在更高效的是缓存）</a:t>
+            </a:r>
+            <a:endParaRPr lang="en-US" altLang="zh-CN" dirty="0"/>
+          </a:p>
+          <a:p>
+            <a:endParaRPr lang="en-US" altLang="zh-CN" dirty="0"/>
+          </a:p>
+          <a:p>
+            <a:r>
+              <a:rPr lang="zh-CN" altLang="en-US" dirty="0"/>
               <a:t>写扩展：</a:t>
             </a:r>
-            <a:endParaRPr lang="en-US" altLang="zh-CN" dirty="0" smtClean="0"/>
-          </a:p>
-          <a:p>
-            <a:r>
-              <a:rPr lang="en-US" altLang="zh-CN" dirty="0"/>
-              <a:t> </a:t>
-            </a:r>
-            <a:r>
-              <a:rPr lang="en-US" altLang="zh-CN" dirty="0" smtClean="0"/>
-              <a:t>   a)</a:t>
-            </a:r>
-            <a:r>
-              <a:rPr lang="en-US" altLang="zh-CN" dirty="0" err="1" smtClean="0"/>
+            <a:endParaRPr lang="en-US" altLang="zh-CN" dirty="0"/>
+          </a:p>
+          <a:p>
+            <a:r>
+              <a:rPr lang="en-US" altLang="zh-CN" dirty="0"/>
+              <a:t>    a)</a:t>
+            </a:r>
+            <a:r>
+              <a:rPr lang="en-US" altLang="zh-CN" dirty="0" err="1"/>
               <a:t>sharding</a:t>
             </a:r>
             <a:r>
-              <a:rPr lang="zh-CN" altLang="en-US" dirty="0" smtClean="0"/>
+              <a:rPr lang="zh-CN" altLang="en-US" dirty="0"/>
               <a:t>分片</a:t>
             </a:r>
-            <a:endParaRPr lang="en-US" altLang="zh-CN" dirty="0" smtClean="0"/>
-          </a:p>
-          <a:p>
-            <a:r>
-              <a:rPr lang="en-US" altLang="zh-CN" dirty="0"/>
-              <a:t> </a:t>
-            </a:r>
-            <a:r>
-              <a:rPr lang="en-US" altLang="zh-CN" dirty="0" smtClean="0"/>
+            <a:endParaRPr lang="en-US" altLang="zh-CN" dirty="0"/>
+          </a:p>
+          <a:p>
+            <a:r>
+              <a:rPr lang="en-US" altLang="zh-CN" dirty="0"/>
+              <a:t>    </a:t>
+            </a:r>
+            <a:r>
+              <a:rPr lang="zh-CN" altLang="en-US" dirty="0"/>
+              <a:t>将要写入的数据用</a:t>
+            </a:r>
+            <a:r>
+              <a:rPr lang="en-US" altLang="zh-CN" dirty="0"/>
+              <a:t>key</a:t>
+            </a:r>
+            <a:r>
+              <a:rPr lang="zh-CN" altLang="en-US" dirty="0"/>
+              <a:t>进行</a:t>
+            </a:r>
+            <a:r>
+              <a:rPr lang="en-US" altLang="zh-CN" dirty="0"/>
+              <a:t>hash</a:t>
+            </a:r>
+            <a:r>
+              <a:rPr lang="zh-CN" altLang="en-US" dirty="0"/>
+              <a:t>，写入到具体的分片。比如</a:t>
+            </a:r>
+            <a:r>
+              <a:rPr lang="en-US" altLang="zh-CN" dirty="0"/>
+              <a:t>key</a:t>
+            </a:r>
+            <a:r>
+              <a:rPr lang="zh-CN" altLang="en-US" dirty="0"/>
+              <a:t>可以是记录</a:t>
+            </a:r>
+            <a:r>
+              <a:rPr lang="en-US" altLang="zh-CN" dirty="0"/>
+              <a:t>id</a:t>
+            </a:r>
+            <a:r>
+              <a:rPr lang="zh-CN" altLang="en-US" dirty="0"/>
+              <a:t>取模，可以是省市区域编号。分片写的一个问题是集合查询，需要从每个分片异步读取满足条件的记录，最后进行合并。分片写另一个问题是增加额外节点时的数据复制，解决这个问题需要采用一致性</a:t>
+            </a:r>
+            <a:r>
+              <a:rPr lang="en-US" altLang="zh-CN" dirty="0"/>
+              <a:t>hash</a:t>
+            </a:r>
+            <a:r>
+              <a:rPr lang="zh-CN" altLang="en-US" dirty="0"/>
+              <a:t>算法。</a:t>
+            </a:r>
+            <a:endParaRPr lang="en-US" altLang="zh-CN" dirty="0"/>
+          </a:p>
+          <a:p>
+            <a:r>
+              <a:rPr lang="en-US" altLang="zh-CN" dirty="0"/>
+              <a:t>    </a:t>
+            </a:r>
+            <a:r>
+              <a:rPr lang="en-US" altLang="zh-CN" dirty="0" err="1"/>
+              <a:t>sharding</a:t>
+            </a:r>
+            <a:r>
+              <a:rPr lang="zh-CN" altLang="en-US" dirty="0"/>
+              <a:t>分片只能扩展写，但并不解决弹性问题。某个节点宕机，该节点上的数据就不可用，解决办法是在一致性</a:t>
+            </a:r>
+            <a:r>
+              <a:rPr lang="en-US" altLang="zh-CN" dirty="0"/>
+              <a:t>hash</a:t>
+            </a:r>
+            <a:r>
+              <a:rPr lang="zh-CN" altLang="en-US" dirty="0"/>
+              <a:t>的基础上增加虚拟节点，保证每个节点的数据都有多个备份。</a:t>
+            </a:r>
+            <a:endParaRPr lang="en-US" altLang="zh-CN" dirty="0"/>
+          </a:p>
+          <a:p>
+            <a:endParaRPr lang="en-US" altLang="zh-CN" dirty="0"/>
+          </a:p>
+          <a:p>
+            <a:r>
+              <a:rPr lang="en-US" altLang="zh-CN" dirty="0"/>
               <a:t>   </a:t>
             </a:r>
             <a:r>
-              <a:rPr lang="zh-CN" altLang="en-US" dirty="0" smtClean="0"/>
-              <a:t>将要写入的数据用</a:t>
-            </a:r>
-            <a:r>
-              <a:rPr lang="en-US" altLang="zh-CN" dirty="0" smtClean="0"/>
-              <a:t>key</a:t>
-            </a:r>
-            <a:r>
-              <a:rPr lang="zh-CN" altLang="en-US" dirty="0" smtClean="0"/>
-              <a:t>进行</a:t>
-            </a:r>
-            <a:r>
-              <a:rPr lang="en-US" altLang="zh-CN" dirty="0" smtClean="0"/>
+              <a:rPr lang="zh-CN" altLang="en-US" dirty="0"/>
+              <a:t>总之，你要么在自己的应用程序中管理一致性</a:t>
+            </a:r>
+            <a:r>
+              <a:rPr lang="en-US" altLang="zh-CN" dirty="0"/>
               <a:t>hash</a:t>
             </a:r>
             <a:r>
-              <a:rPr lang="zh-CN" altLang="en-US" dirty="0" smtClean="0"/>
-              <a:t>，写入到具体的分片。比如</a:t>
-            </a:r>
-            <a:r>
-              <a:rPr lang="en-US" altLang="zh-CN" dirty="0" smtClean="0"/>
-              <a:t>key</a:t>
-            </a:r>
-            <a:r>
-              <a:rPr lang="zh-CN" altLang="en-US" dirty="0" smtClean="0"/>
-              <a:t>可以是记录</a:t>
-            </a:r>
-            <a:r>
-              <a:rPr lang="en-US" altLang="zh-CN" dirty="0" smtClean="0"/>
-              <a:t>id</a:t>
-            </a:r>
-            <a:r>
-              <a:rPr lang="zh-CN" altLang="en-US" dirty="0" smtClean="0"/>
-              <a:t>取模，可以是省市区域编号。分片写的一个问题是集合查询，需要从每个分片异步读取满足条件的记录，最后进行合并。分片写另一个问题是增加额外节点时的数据复制，解决这个问题需要采用一致性</a:t>
-            </a:r>
-            <a:r>
-              <a:rPr lang="en-US" altLang="zh-CN" dirty="0" smtClean="0"/>
+              <a:rPr lang="zh-CN" altLang="en-US" dirty="0"/>
+              <a:t>问题，要么加一个中间层，要么使用已经提供了一致性</a:t>
+            </a:r>
+            <a:r>
+              <a:rPr lang="en-US" altLang="zh-CN" dirty="0"/>
               <a:t>hash</a:t>
             </a:r>
             <a:r>
-              <a:rPr lang="zh-CN" altLang="en-US" dirty="0" smtClean="0"/>
-              <a:t>算法。</a:t>
-            </a:r>
-            <a:endParaRPr lang="en-US" altLang="zh-CN" dirty="0" smtClean="0"/>
-          </a:p>
-          <a:p>
-            <a:r>
-              <a:rPr lang="en-US" altLang="zh-CN" dirty="0"/>
-              <a:t> </a:t>
-            </a:r>
-            <a:r>
-              <a:rPr lang="en-US" altLang="zh-CN" dirty="0" smtClean="0"/>
-              <a:t>   </a:t>
-            </a:r>
-            <a:r>
-              <a:rPr lang="en-US" altLang="zh-CN" dirty="0" err="1" smtClean="0"/>
+              <a:rPr lang="zh-CN" altLang="en-US" dirty="0"/>
+              <a:t>功能的数据库，如</a:t>
+            </a:r>
+            <a:r>
+              <a:rPr lang="en-US" altLang="zh-CN" dirty="0"/>
+              <a:t>mongo</a:t>
+            </a:r>
+            <a:r>
+              <a:rPr lang="zh-CN" altLang="en-US" dirty="0"/>
+              <a:t>（</a:t>
+            </a:r>
+            <a:r>
+              <a:rPr lang="en-US" altLang="zh-CN" dirty="0" err="1"/>
               <a:t>sharding</a:t>
             </a:r>
             <a:r>
-              <a:rPr lang="zh-CN" altLang="en-US" dirty="0" smtClean="0"/>
-              <a:t>分片只能扩展写，但并不解决弹性问题。某个节点宕机，该节点上的数据就不可用，解决办法是在一致性</a:t>
-            </a:r>
-            <a:r>
-              <a:rPr lang="en-US" altLang="zh-CN" dirty="0" smtClean="0"/>
-              <a:t>hash</a:t>
-            </a:r>
-            <a:r>
-              <a:rPr lang="zh-CN" altLang="en-US" dirty="0" smtClean="0"/>
-              <a:t>的基础上增加虚拟节点，保证每个节点的数据都有多个备份。</a:t>
-            </a:r>
-            <a:endParaRPr lang="en-US" altLang="zh-CN" dirty="0" smtClean="0"/>
-          </a:p>
-          <a:p>
-            <a:endParaRPr lang="en-US" altLang="zh-CN" dirty="0"/>
-          </a:p>
-          <a:p>
-            <a:r>
-              <a:rPr lang="en-US" altLang="zh-CN" dirty="0" smtClean="0"/>
-              <a:t>   </a:t>
-            </a:r>
-            <a:r>
-              <a:rPr lang="zh-CN" altLang="en-US" dirty="0" smtClean="0"/>
-              <a:t>总之，你要么在自己的应用程序中管理一致性</a:t>
-            </a:r>
-            <a:r>
-              <a:rPr lang="en-US" altLang="zh-CN" dirty="0" smtClean="0"/>
-              <a:t>hash</a:t>
-            </a:r>
-            <a:r>
-              <a:rPr lang="zh-CN" altLang="en-US" dirty="0" smtClean="0"/>
-              <a:t>问题，要么加一个中间层，要么使用已经提供了一致性</a:t>
-            </a:r>
-            <a:r>
-              <a:rPr lang="en-US" altLang="zh-CN" dirty="0" smtClean="0"/>
-              <a:t>hash</a:t>
-            </a:r>
-            <a:r>
-              <a:rPr lang="zh-CN" altLang="en-US" dirty="0" smtClean="0"/>
-              <a:t>功能的数据库，如</a:t>
-            </a:r>
-            <a:r>
-              <a:rPr lang="en-US" altLang="zh-CN" dirty="0" smtClean="0"/>
-              <a:t>mongo</a:t>
-            </a:r>
-            <a:r>
-              <a:rPr lang="zh-CN" altLang="en-US" dirty="0" smtClean="0"/>
-              <a:t>（</a:t>
-            </a:r>
-            <a:r>
-              <a:rPr lang="en-US" altLang="zh-CN" dirty="0" err="1" smtClean="0"/>
-              <a:t>sharding</a:t>
-            </a:r>
-            <a:r>
-              <a:rPr lang="zh-CN" altLang="en-US" dirty="0" smtClean="0"/>
+              <a:rPr lang="zh-CN" altLang="en-US" dirty="0"/>
               <a:t>），</a:t>
             </a:r>
             <a:r>
-              <a:rPr lang="en-US" altLang="zh-CN" dirty="0" err="1" smtClean="0"/>
+              <a:rPr lang="en-US" altLang="zh-CN" dirty="0" err="1"/>
               <a:t>cassandra</a:t>
             </a:r>
             <a:r>
-              <a:rPr lang="zh-CN" altLang="en-US" dirty="0" smtClean="0"/>
+              <a:rPr lang="zh-CN" altLang="en-US" dirty="0"/>
               <a:t>（一致性</a:t>
             </a:r>
             <a:r>
-              <a:rPr lang="en-US" altLang="zh-CN" dirty="0" smtClean="0"/>
+              <a:rPr lang="en-US" altLang="zh-CN" dirty="0"/>
               <a:t>hash+</a:t>
             </a:r>
             <a:r>
-              <a:rPr lang="zh-CN" altLang="en-US" dirty="0" smtClean="0"/>
+              <a:rPr lang="zh-CN" altLang="en-US" dirty="0"/>
               <a:t>节点副本）。</a:t>
             </a:r>
-            <a:endParaRPr lang="en-US" altLang="zh-CN" dirty="0" smtClean="0"/>
+            <a:endParaRPr lang="en-US" altLang="zh-CN" dirty="0"/>
           </a:p>
         </p:txBody>
       </p:sp>
@@ -4762,13 +4651,8 @@
           <a:p>
             <a:r>
               <a:rPr lang="zh-CN" altLang="en-US" dirty="0"/>
-              <a:t>微服务</a:t>
-            </a:r>
-            <a:r>
-              <a:rPr lang="zh-CN" altLang="en-US" dirty="0" smtClean="0"/>
-              <a:t>架构设计</a:t>
-            </a:r>
-            <a:endParaRPr lang="zh-CN" altLang="en-US" dirty="0"/>
+              <a:t>微服务架构设计</a:t>
+            </a:r>
           </a:p>
         </p:txBody>
       </p:sp>
@@ -4795,57 +4679,57 @@
           <a:lstStyle/>
           <a:p>
             <a:r>
-              <a:rPr lang="en-US" altLang="zh-CN" dirty="0" smtClean="0"/>
+              <a:rPr lang="en-US" altLang="zh-CN" dirty="0"/>
               <a:t>CAP</a:t>
             </a:r>
             <a:r>
-              <a:rPr lang="zh-CN" altLang="en-US" dirty="0" smtClean="0"/>
+              <a:rPr lang="zh-CN" altLang="en-US" dirty="0"/>
               <a:t>定理：一致性，可用性，分区容错性最多只能保证其中两个。</a:t>
             </a:r>
-            <a:endParaRPr lang="en-US" altLang="zh-CN" dirty="0" smtClean="0"/>
-          </a:p>
-          <a:p>
-            <a:r>
-              <a:rPr lang="en-US" altLang="zh-CN" dirty="0" smtClean="0"/>
+            <a:endParaRPr lang="en-US" altLang="zh-CN" dirty="0"/>
+          </a:p>
+          <a:p>
+            <a:r>
+              <a:rPr lang="en-US" altLang="zh-CN" dirty="0"/>
               <a:t>    a)AP</a:t>
             </a:r>
             <a:r>
-              <a:rPr lang="zh-CN" altLang="en-US" dirty="0" smtClean="0"/>
+              <a:rPr lang="zh-CN" altLang="en-US" dirty="0"/>
               <a:t>系统：牺牲一致性，如一般的</a:t>
             </a:r>
             <a:r>
-              <a:rPr lang="en-US" altLang="zh-CN" dirty="0" smtClean="0"/>
+              <a:rPr lang="en-US" altLang="zh-CN" dirty="0"/>
               <a:t>web</a:t>
             </a:r>
             <a:r>
-              <a:rPr lang="zh-CN" altLang="en-US" dirty="0" smtClean="0"/>
+              <a:rPr lang="zh-CN" altLang="en-US" dirty="0"/>
               <a:t>系统，网络支付系统（最终一致性）。</a:t>
             </a:r>
-            <a:endParaRPr lang="en-US" altLang="zh-CN" dirty="0" smtClean="0"/>
-          </a:p>
-          <a:p>
-            <a:r>
-              <a:rPr lang="en-US" altLang="zh-CN" dirty="0" smtClean="0"/>
+            <a:endParaRPr lang="en-US" altLang="zh-CN" dirty="0"/>
+          </a:p>
+          <a:p>
+            <a:r>
+              <a:rPr lang="en-US" altLang="zh-CN" dirty="0"/>
               <a:t>    b)CP</a:t>
             </a:r>
             <a:r>
-              <a:rPr lang="zh-CN" altLang="en-US" dirty="0" smtClean="0"/>
+              <a:rPr lang="zh-CN" altLang="en-US" dirty="0"/>
               <a:t>系统：牺牲可用性，如必须保证强一致性的银行系统。</a:t>
             </a:r>
-            <a:endParaRPr lang="en-US" altLang="zh-CN" dirty="0" smtClean="0"/>
-          </a:p>
-          <a:p>
-            <a:endParaRPr lang="en-US" altLang="zh-CN" dirty="0"/>
-          </a:p>
-          <a:p>
-            <a:r>
-              <a:rPr lang="zh-CN" altLang="en-US" dirty="0" smtClean="0"/>
+            <a:endParaRPr lang="en-US" altLang="zh-CN" dirty="0"/>
+          </a:p>
+          <a:p>
+            <a:endParaRPr lang="en-US" altLang="zh-CN" dirty="0"/>
+          </a:p>
+          <a:p>
+            <a:r>
+              <a:rPr lang="zh-CN" altLang="en-US" dirty="0"/>
               <a:t>服务降级：某个服务故障不会影响整个服务的正常使用。比如购物网站购物车模块不可用，不应该影响其他的如商品列表展示，直接支付购买等其他功能。故障的购物车模块可以做一些服务降级处理，如显示“马上回来”或其他处理等。无论哪个模块故障，都不应该导致整个服务的不可用。</a:t>
             </a:r>
             <a:endParaRPr lang="en-US" altLang="zh-CN" dirty="0"/>
           </a:p>
           <a:p>
-            <a:endParaRPr lang="en-US" altLang="zh-CN" dirty="0" smtClean="0"/>
+            <a:endParaRPr lang="en-US" altLang="zh-CN" dirty="0"/>
           </a:p>
         </p:txBody>
       </p:sp>
@@ -4903,13 +4787,8 @@
           <a:p>
             <a:r>
               <a:rPr lang="zh-CN" altLang="en-US" dirty="0"/>
-              <a:t>秒</a:t>
-            </a:r>
-            <a:r>
-              <a:rPr lang="zh-CN" altLang="en-US" dirty="0" smtClean="0"/>
-              <a:t>杀系统架构设计</a:t>
-            </a:r>
-            <a:endParaRPr lang="zh-CN" altLang="en-US" dirty="0"/>
+              <a:t>秒杀系统架构设计</a:t>
+            </a:r>
           </a:p>
         </p:txBody>
       </p:sp>
@@ -4936,138 +4815,122 @@
           <a:lstStyle/>
           <a:p>
             <a:r>
-              <a:rPr lang="zh-CN" altLang="en-US" dirty="0" smtClean="0"/>
+              <a:rPr lang="zh-CN" altLang="en-US" dirty="0"/>
               <a:t>典型的读多写少系统，所以正确的处理该特点即可。</a:t>
             </a:r>
-            <a:endParaRPr lang="en-US" altLang="zh-CN" dirty="0" smtClean="0"/>
-          </a:p>
-          <a:p>
-            <a:r>
-              <a:rPr lang="zh-CN" altLang="en-US" dirty="0" smtClean="0"/>
+            <a:endParaRPr lang="en-US" altLang="zh-CN" dirty="0"/>
+          </a:p>
+          <a:p>
+            <a:r>
+              <a:rPr lang="zh-CN" altLang="en-US" dirty="0"/>
               <a:t>思路：</a:t>
             </a:r>
-            <a:endParaRPr lang="en-US" altLang="zh-CN" dirty="0" smtClean="0"/>
-          </a:p>
-          <a:p>
-            <a:r>
-              <a:rPr lang="en-US" altLang="zh-CN" dirty="0" smtClean="0"/>
+            <a:endParaRPr lang="en-US" altLang="zh-CN" dirty="0"/>
+          </a:p>
+          <a:p>
+            <a:r>
+              <a:rPr lang="en-US" altLang="zh-CN" dirty="0"/>
               <a:t>    a)</a:t>
             </a:r>
             <a:r>
-              <a:rPr lang="zh-CN" altLang="en-US" dirty="0" smtClean="0"/>
+              <a:rPr lang="zh-CN" altLang="en-US" dirty="0"/>
               <a:t>将请求尽量拦截在前端。请求都压在数据库上，肯定不行。</a:t>
             </a:r>
-            <a:endParaRPr lang="en-US" altLang="zh-CN" dirty="0" smtClean="0"/>
-          </a:p>
-          <a:p>
-            <a:r>
-              <a:rPr lang="en-US" altLang="zh-CN" dirty="0" smtClean="0"/>
+            <a:endParaRPr lang="en-US" altLang="zh-CN" dirty="0"/>
+          </a:p>
+          <a:p>
+            <a:r>
+              <a:rPr lang="en-US" altLang="zh-CN" dirty="0"/>
               <a:t>    b)</a:t>
             </a:r>
             <a:r>
-              <a:rPr lang="zh-CN" altLang="en-US" dirty="0" smtClean="0"/>
+              <a:rPr lang="zh-CN" altLang="en-US" dirty="0"/>
               <a:t>充分利用缓存。典型的读多写少系统，适合缓存。</a:t>
             </a:r>
-            <a:endParaRPr lang="en-US" altLang="zh-CN" dirty="0" smtClean="0"/>
-          </a:p>
-          <a:p>
-            <a:r>
-              <a:rPr lang="zh-CN" altLang="en-US" dirty="0" smtClean="0"/>
+            <a:endParaRPr lang="en-US" altLang="zh-CN" dirty="0"/>
+          </a:p>
+          <a:p>
+            <a:r>
+              <a:rPr lang="zh-CN" altLang="en-US" dirty="0"/>
               <a:t>具体实现：</a:t>
             </a:r>
-            <a:endParaRPr lang="en-US" altLang="zh-CN" dirty="0" smtClean="0"/>
-          </a:p>
-          <a:p>
-            <a:r>
-              <a:rPr lang="en-US" altLang="zh-CN" dirty="0" smtClean="0"/>
+            <a:endParaRPr lang="en-US" altLang="zh-CN" dirty="0"/>
+          </a:p>
+          <a:p>
+            <a:r>
+              <a:rPr lang="en-US" altLang="zh-CN" dirty="0"/>
               <a:t>    a)web</a:t>
             </a:r>
             <a:r>
-              <a:rPr lang="zh-CN" altLang="en-US" dirty="0" smtClean="0"/>
+              <a:rPr lang="zh-CN" altLang="en-US" dirty="0"/>
               <a:t>层请求拦截。如页面限制用户点击次数，</a:t>
             </a:r>
             <a:r>
-              <a:rPr lang="en-US" altLang="zh-CN" dirty="0" err="1" smtClean="0"/>
+              <a:rPr lang="en-US" altLang="zh-CN" dirty="0" err="1"/>
               <a:t>js</a:t>
             </a:r>
             <a:r>
               <a:rPr lang="zh-CN" altLang="en-US" dirty="0"/>
-              <a:t>与</a:t>
-            </a:r>
-            <a:r>
-              <a:rPr lang="zh-CN" altLang="en-US" dirty="0" smtClean="0"/>
-              <a:t>后台的刷新频率，添加验证码防止刷票等。可以拦截大部分无效请求。</a:t>
-            </a:r>
-            <a:endParaRPr lang="en-US" altLang="zh-CN" dirty="0" smtClean="0"/>
-          </a:p>
-          <a:p>
-            <a:r>
-              <a:rPr lang="en-US" altLang="zh-CN" dirty="0"/>
-              <a:t> </a:t>
-            </a:r>
-            <a:r>
-              <a:rPr lang="en-US" altLang="zh-CN" dirty="0" smtClean="0"/>
-              <a:t>   b)</a:t>
-            </a:r>
-            <a:r>
-              <a:rPr lang="zh-CN" altLang="en-US" dirty="0" smtClean="0"/>
+              <a:t>与后台的刷新频率，添加验证码防止刷票等。可以拦截大部分无效请求。</a:t>
+            </a:r>
+            <a:endParaRPr lang="en-US" altLang="zh-CN" dirty="0"/>
+          </a:p>
+          <a:p>
+            <a:r>
+              <a:rPr lang="en-US" altLang="zh-CN" dirty="0"/>
+              <a:t>    b)</a:t>
+            </a:r>
+            <a:r>
+              <a:rPr lang="zh-CN" altLang="en-US" dirty="0"/>
               <a:t>接入层请求拦截和缓存。同一个</a:t>
             </a:r>
             <a:r>
-              <a:rPr lang="en-US" altLang="zh-CN" dirty="0" smtClean="0"/>
+              <a:rPr lang="en-US" altLang="zh-CN" dirty="0"/>
               <a:t>id</a:t>
             </a:r>
             <a:r>
-              <a:rPr lang="zh-CN" altLang="en-US" dirty="0" smtClean="0"/>
+              <a:rPr lang="zh-CN" altLang="en-US" dirty="0"/>
               <a:t>限制访问频率，同一个商品</a:t>
             </a:r>
             <a:r>
-              <a:rPr lang="en-US" altLang="zh-CN" dirty="0" smtClean="0"/>
+              <a:rPr lang="en-US" altLang="zh-CN" dirty="0"/>
               <a:t>item</a:t>
             </a:r>
             <a:r>
-              <a:rPr lang="zh-CN" altLang="en-US" dirty="0" smtClean="0"/>
+              <a:rPr lang="zh-CN" altLang="en-US" dirty="0"/>
               <a:t>缓存等，应对刷票软件。可以拦截大部分该层请求。</a:t>
             </a:r>
-            <a:endParaRPr lang="en-US" altLang="zh-CN" dirty="0" smtClean="0"/>
-          </a:p>
-          <a:p>
-            <a:r>
-              <a:rPr lang="en-US" altLang="zh-CN" dirty="0"/>
-              <a:t> </a:t>
-            </a:r>
-            <a:r>
-              <a:rPr lang="en-US" altLang="zh-CN" dirty="0" smtClean="0"/>
-              <a:t>   c)</a:t>
-            </a:r>
-            <a:r>
-              <a:rPr lang="zh-CN" altLang="en-US" dirty="0" smtClean="0"/>
+            <a:endParaRPr lang="en-US" altLang="zh-CN" dirty="0"/>
+          </a:p>
+          <a:p>
+            <a:r>
+              <a:rPr lang="en-US" altLang="zh-CN" dirty="0"/>
+              <a:t>    c)</a:t>
+            </a:r>
+            <a:r>
+              <a:rPr lang="zh-CN" altLang="en-US" dirty="0"/>
               <a:t>服务层，对数据库写请求进行排队，每次只进行少量请求的执行；对数据库的读请求进行</a:t>
             </a:r>
             <a:r>
-              <a:rPr lang="en-US" altLang="zh-CN" dirty="0" err="1" smtClean="0"/>
+              <a:rPr lang="en-US" altLang="zh-CN" dirty="0" err="1"/>
               <a:t>Redis</a:t>
             </a:r>
             <a:r>
-              <a:rPr lang="zh-CN" altLang="en-US" dirty="0" smtClean="0"/>
+              <a:rPr lang="zh-CN" altLang="en-US" dirty="0"/>
               <a:t>缓存。</a:t>
             </a:r>
-            <a:endParaRPr lang="en-US" altLang="zh-CN" dirty="0" smtClean="0"/>
-          </a:p>
-          <a:p>
-            <a:r>
-              <a:rPr lang="en-US" altLang="zh-CN" dirty="0"/>
-              <a:t> </a:t>
-            </a:r>
-            <a:r>
-              <a:rPr lang="en-US" altLang="zh-CN" dirty="0" smtClean="0"/>
-              <a:t>   d)</a:t>
-            </a:r>
-            <a:r>
-              <a:rPr lang="zh-CN" altLang="en-US" dirty="0" smtClean="0"/>
+            <a:endParaRPr lang="en-US" altLang="zh-CN" dirty="0"/>
+          </a:p>
+          <a:p>
+            <a:r>
+              <a:rPr lang="en-US" altLang="zh-CN" dirty="0"/>
+              <a:t>    d)</a:t>
+            </a:r>
+            <a:r>
+              <a:rPr lang="zh-CN" altLang="en-US" dirty="0"/>
               <a:t>数据库层。保证高可用即可，到达这一层的请求很少了。</a:t>
             </a:r>
-            <a:endParaRPr lang="en-US" altLang="zh-CN" dirty="0" smtClean="0"/>
+            <a:endParaRPr lang="en-US" altLang="zh-CN" dirty="0"/>
           </a:p>
         </p:txBody>
       </p:sp>
